--- a/MOC/Module 07 Storing and Consuming Files from Azure Storage/20532C-07.pptx
+++ b/MOC/Module 07 Storing and Consuming Files from Azure Storage/20532C-07.pptx
@@ -39,35 +39,35 @@
   <p:notesSz cx="6858000" cy="9144000"/>
   <p:embeddedFontLst>
     <p:embeddedFont>
-      <p:font typeface="Segoe" panose="020B0502040504020203" pitchFamily="34" charset="0"/>
+      <p:font typeface="Calibri" panose="020F0502020204030204" pitchFamily="34" charset="0"/>
       <p:regular r:id="rId29"/>
       <p:bold r:id="rId30"/>
       <p:italic r:id="rId31"/>
       <p:boldItalic r:id="rId32"/>
     </p:embeddedFont>
     <p:embeddedFont>
-      <p:font typeface="Verdana" panose="020B0604030504040204" pitchFamily="34" charset="0"/>
+      <p:font typeface="Segoe UI" panose="020B0502040204020203" pitchFamily="34" charset="0"/>
       <p:regular r:id="rId33"/>
       <p:bold r:id="rId34"/>
       <p:italic r:id="rId35"/>
       <p:boldItalic r:id="rId36"/>
     </p:embeddedFont>
     <p:embeddedFont>
-      <p:font typeface="Segoe UI" panose="020B0502040204020203" pitchFamily="34" charset="0"/>
+      <p:font typeface="Verdana" panose="020B0604030504040204" pitchFamily="34" charset="0"/>
       <p:regular r:id="rId37"/>
       <p:bold r:id="rId38"/>
       <p:italic r:id="rId39"/>
       <p:boldItalic r:id="rId40"/>
     </p:embeddedFont>
     <p:embeddedFont>
-      <p:font typeface="Consolas" panose="020B0609020204030204" pitchFamily="49" charset="0"/>
+      <p:font typeface="Segoe" panose="020B0604020202020204" charset="0"/>
       <p:regular r:id="rId41"/>
       <p:bold r:id="rId42"/>
       <p:italic r:id="rId43"/>
       <p:boldItalic r:id="rId44"/>
     </p:embeddedFont>
     <p:embeddedFont>
-      <p:font typeface="Calibri" panose="020F0502020204030204" pitchFamily="34" charset="0"/>
+      <p:font typeface="Consolas" panose="020B0609020204030204" pitchFamily="49" charset="0"/>
       <p:regular r:id="rId45"/>
       <p:bold r:id="rId46"/>
       <p:italic r:id="rId47"/>
@@ -200,6 +200,10 @@
     </a:lvl9pPr>
   </p:defaultTextStyle>
 </p:presentation>
+</file>
+
+<file path=ppt/revisionInfo.xml><?xml version="1.0" encoding="utf-8"?>
+<p1510:revInfo xmlns:a="http://schemas.openxmlformats.org/drawingml/2006/main" xmlns:r="http://schemas.openxmlformats.org/officeDocument/2006/relationships" xmlns:p1510="http://schemas.microsoft.com/office/powerpoint/2015/10/main"/>
 </file>
 
 <file path=ppt/diagrams/colors1.xml><?xml version="1.0" encoding="utf-8"?>
@@ -2311,38 +2315,38 @@
     </dgm:pt>
   </dgm:ptLst>
   <dgm:cxnLst>
-    <dgm:cxn modelId="{18FA21B4-23E5-40E2-ABBA-4202D6BEF546}" type="presOf" srcId="{172CA7EF-237D-4425-AA46-57B7EAB68FD9}" destId="{32DF48C3-CCF0-4364-AA38-2B570A88CBD5}" srcOrd="1" destOrd="0" presId="urn:microsoft.com/office/officeart/2005/8/layout/hierarchy5"/>
-    <dgm:cxn modelId="{961D95BC-9D6F-4FA5-BE85-A1ACB101DA55}" type="presOf" srcId="{EC1F9FF6-49DD-4C16-97D4-BEBE9C22AD86}" destId="{BC388E0F-7A52-4A13-887B-EF52BE348820}" srcOrd="0" destOrd="0" presId="urn:microsoft.com/office/officeart/2005/8/layout/hierarchy5"/>
+    <dgm:cxn modelId="{D04B3908-29BA-4CAF-8A97-484006056E04}" srcId="{4AE042CC-B4FB-4DA1-85C7-E16FC87853C5}" destId="{EC1F9FF6-49DD-4C16-97D4-BEBE9C22AD86}" srcOrd="3" destOrd="0" parTransId="{7BA50816-CB0B-4F86-B363-D5546ABC080B}" sibTransId="{5686051B-204E-4D74-B70B-C377CE3E0A06}"/>
+    <dgm:cxn modelId="{083C2B10-CAE6-4E01-9546-8C310D5620C5}" type="presOf" srcId="{62EF07B9-B6B9-459E-ACFF-7A887B45D290}" destId="{88955B3A-580A-4EDC-BDA1-C5D9A85B104E}" srcOrd="1" destOrd="0" presId="urn:microsoft.com/office/officeart/2005/8/layout/hierarchy5"/>
+    <dgm:cxn modelId="{8672951B-B1C6-40C9-8FA4-237EE016D951}" srcId="{4AE042CC-B4FB-4DA1-85C7-E16FC87853C5}" destId="{172CA7EF-237D-4425-AA46-57B7EAB68FD9}" srcOrd="2" destOrd="0" parTransId="{AA3514EC-86A7-419E-A8E0-887894BD7ECE}" sibTransId="{871CA9C3-79D9-42C7-8B3C-2897294D9A1F}"/>
+    <dgm:cxn modelId="{49F6D920-B450-4521-873D-8B54CC626DCE}" type="presOf" srcId="{4685DAA1-E04C-4C29-B8A6-E23CAAC5AEED}" destId="{CCD48606-152F-43D3-91E1-08769548824D}" srcOrd="1" destOrd="0" presId="urn:microsoft.com/office/officeart/2005/8/layout/hierarchy5"/>
+    <dgm:cxn modelId="{8CB64627-264C-45B5-B940-F56338383EFD}" type="presOf" srcId="{EC1F9FF6-49DD-4C16-97D4-BEBE9C22AD86}" destId="{F0133E2E-B801-4CC9-853C-814925EC6510}" srcOrd="1" destOrd="0" presId="urn:microsoft.com/office/officeart/2005/8/layout/hierarchy5"/>
+    <dgm:cxn modelId="{8B76A436-3B58-4D83-A9E7-CABD27C302D6}" type="presOf" srcId="{800DF04A-1619-4AC3-BFEA-32B5F5CA174B}" destId="{4155D7C3-E983-4E6D-9BF4-9CAAB733B73B}" srcOrd="0" destOrd="0" presId="urn:microsoft.com/office/officeart/2005/8/layout/hierarchy5"/>
+    <dgm:cxn modelId="{0F06CC39-D865-4F83-AAC2-4C91B3D2EB7C}" type="presOf" srcId="{7D126980-368F-4A7F-A34C-2DEFE71ED05F}" destId="{10A4AFBB-18F3-43B7-A4BB-2A1512A46503}" srcOrd="0" destOrd="0" presId="urn:microsoft.com/office/officeart/2005/8/layout/hierarchy5"/>
+    <dgm:cxn modelId="{6464B341-A2B8-4862-B9AD-3731AD482C36}" srcId="{35E681C7-7EF8-4282-B072-02400EB1AD73}" destId="{A090A995-2421-474E-83EB-4BADD2779263}" srcOrd="1" destOrd="0" parTransId="{9576AD15-25E0-4715-B42E-25C7552644E2}" sibTransId="{9751CE3E-F3E7-41C8-B934-9959773C32F5}"/>
+    <dgm:cxn modelId="{BEFFB866-F810-48F8-90AE-BC81B28AB7B2}" type="presOf" srcId="{63DD6D8A-5770-47CF-8F13-EABD075F9BD3}" destId="{1192BF59-491C-4058-9D3C-F5A09898FC13}" srcOrd="1" destOrd="0" presId="urn:microsoft.com/office/officeart/2005/8/layout/hierarchy5"/>
+    <dgm:cxn modelId="{1B7CB168-2AC7-4B2B-9C2A-02BFF15178EE}" type="presOf" srcId="{35E681C7-7EF8-4282-B072-02400EB1AD73}" destId="{ABA04602-C7B3-4C38-A9B0-89016F9A0215}" srcOrd="0" destOrd="0" presId="urn:microsoft.com/office/officeart/2005/8/layout/hierarchy5"/>
+    <dgm:cxn modelId="{9F08EC70-BCE7-432D-A276-22854EC52CE9}" type="presOf" srcId="{63DD6D8A-5770-47CF-8F13-EABD075F9BD3}" destId="{FED66D33-D291-4EB9-9F45-E08E779B0DDE}" srcOrd="0" destOrd="0" presId="urn:microsoft.com/office/officeart/2005/8/layout/hierarchy5"/>
+    <dgm:cxn modelId="{BD717657-2505-4851-9EBC-2FEAD785BB33}" srcId="{4AE042CC-B4FB-4DA1-85C7-E16FC87853C5}" destId="{35E681C7-7EF8-4282-B072-02400EB1AD73}" srcOrd="0" destOrd="0" parTransId="{5B92CD20-79EC-44DD-8F33-EA648BFB85AA}" sibTransId="{30CFEDCB-3C8C-471A-B518-3E3A6DCAB14A}"/>
+    <dgm:cxn modelId="{6F92BF57-E311-497E-A4FE-2E671E582218}" type="presOf" srcId="{9576AD15-25E0-4715-B42E-25C7552644E2}" destId="{CB77EA43-5E7A-449E-92B5-B90875E4CC4D}" srcOrd="1" destOrd="0" presId="urn:microsoft.com/office/officeart/2005/8/layout/hierarchy5"/>
+    <dgm:cxn modelId="{27E0E188-C8B6-4E4E-A7C4-6A5BA1FEB232}" type="presOf" srcId="{3D77DB69-23DC-4305-9EF4-69381423E66B}" destId="{828116C0-2929-4AE1-953F-3531D5EF8921}" srcOrd="1" destOrd="0" presId="urn:microsoft.com/office/officeart/2005/8/layout/hierarchy5"/>
+    <dgm:cxn modelId="{6CC29B8C-1930-4F12-8796-03942DA99522}" type="presOf" srcId="{3D77DB69-23DC-4305-9EF4-69381423E66B}" destId="{7ACAEFD4-E989-41B8-80C5-FD8D7E6A0F35}" srcOrd="0" destOrd="0" presId="urn:microsoft.com/office/officeart/2005/8/layout/hierarchy5"/>
+    <dgm:cxn modelId="{7111A28E-D2FC-46A9-9F81-8642E800DD0E}" type="presOf" srcId="{9576AD15-25E0-4715-B42E-25C7552644E2}" destId="{9FFAC8CA-6AC4-4572-8E90-5C17C9384AFC}" srcOrd="0" destOrd="0" presId="urn:microsoft.com/office/officeart/2005/8/layout/hierarchy5"/>
+    <dgm:cxn modelId="{8A3FB692-D9D8-4C1F-AB38-4E3D544888F5}" srcId="{4AE042CC-B4FB-4DA1-85C7-E16FC87853C5}" destId="{3D77DB69-23DC-4305-9EF4-69381423E66B}" srcOrd="1" destOrd="0" parTransId="{F6EFF35B-1759-4064-9BB8-56CB9A9DB034}" sibTransId="{EC9B7101-B9FD-42DB-8593-2BC97A6D798C}"/>
+    <dgm:cxn modelId="{6B9D4A99-CFCE-42BA-8F5F-16D4CE67EA2E}" type="presOf" srcId="{4AE042CC-B4FB-4DA1-85C7-E16FC87853C5}" destId="{90794BF1-111C-4D41-BEE8-8D33F7E4E42C}" srcOrd="0" destOrd="0" presId="urn:microsoft.com/office/officeart/2005/8/layout/hierarchy5"/>
+    <dgm:cxn modelId="{1CE8D6AB-16BB-408C-9338-AD01C1077F5F}" type="presOf" srcId="{172CA7EF-237D-4425-AA46-57B7EAB68FD9}" destId="{1BE110C8-FE28-4BD5-B87E-A05880DF352F}" srcOrd="0" destOrd="0" presId="urn:microsoft.com/office/officeart/2005/8/layout/hierarchy5"/>
     <dgm:cxn modelId="{8C98D6AC-9B26-4812-85AB-D0199835EDCD}" type="presOf" srcId="{62EF07B9-B6B9-459E-ACFF-7A887B45D290}" destId="{53979587-FADE-41DC-87F8-A5F52A5DB855}" srcOrd="0" destOrd="0" presId="urn:microsoft.com/office/officeart/2005/8/layout/hierarchy5"/>
-    <dgm:cxn modelId="{49F6D920-B450-4521-873D-8B54CC626DCE}" type="presOf" srcId="{4685DAA1-E04C-4C29-B8A6-E23CAAC5AEED}" destId="{CCD48606-152F-43D3-91E1-08769548824D}" srcOrd="1" destOrd="0" presId="urn:microsoft.com/office/officeart/2005/8/layout/hierarchy5"/>
-    <dgm:cxn modelId="{7B2670DC-F9C0-4334-8181-469783733EC4}" type="presOf" srcId="{FC80D2ED-D512-4144-869C-675013BA1EB2}" destId="{5C0A62EE-F132-4D4E-A4EF-032DBAAC28B5}" srcOrd="0" destOrd="0" presId="urn:microsoft.com/office/officeart/2005/8/layout/hierarchy5"/>
-    <dgm:cxn modelId="{3CBB7FB3-E82B-42D0-869E-5391BEBD2C24}" type="presOf" srcId="{03D890F5-5A39-432C-9C07-2B7DA24FAA55}" destId="{16EDA41D-82D5-4192-B7D4-8FB2DA643520}" srcOrd="0" destOrd="0" presId="urn:microsoft.com/office/officeart/2005/8/layout/hierarchy5"/>
-    <dgm:cxn modelId="{4C6DA6B7-AF62-4A15-85A7-7A31BB428D8F}" type="presOf" srcId="{7D126980-368F-4A7F-A34C-2DEFE71ED05F}" destId="{FFCE5990-A0F3-447F-B511-59647C730D6D}" srcOrd="1" destOrd="0" presId="urn:microsoft.com/office/officeart/2005/8/layout/hierarchy5"/>
-    <dgm:cxn modelId="{8A3FB692-D9D8-4C1F-AB38-4E3D544888F5}" srcId="{4AE042CC-B4FB-4DA1-85C7-E16FC87853C5}" destId="{3D77DB69-23DC-4305-9EF4-69381423E66B}" srcOrd="1" destOrd="0" parTransId="{F6EFF35B-1759-4064-9BB8-56CB9A9DB034}" sibTransId="{EC9B7101-B9FD-42DB-8593-2BC97A6D798C}"/>
-    <dgm:cxn modelId="{BEFFB866-F810-48F8-90AE-BC81B28AB7B2}" type="presOf" srcId="{63DD6D8A-5770-47CF-8F13-EABD075F9BD3}" destId="{1192BF59-491C-4058-9D3C-F5A09898FC13}" srcOrd="1" destOrd="0" presId="urn:microsoft.com/office/officeart/2005/8/layout/hierarchy5"/>
-    <dgm:cxn modelId="{8672951B-B1C6-40C9-8FA4-237EE016D951}" srcId="{4AE042CC-B4FB-4DA1-85C7-E16FC87853C5}" destId="{172CA7EF-237D-4425-AA46-57B7EAB68FD9}" srcOrd="2" destOrd="0" parTransId="{AA3514EC-86A7-419E-A8E0-887894BD7ECE}" sibTransId="{871CA9C3-79D9-42C7-8B3C-2897294D9A1F}"/>
-    <dgm:cxn modelId="{8B76A436-3B58-4D83-A9E7-CABD27C302D6}" type="presOf" srcId="{800DF04A-1619-4AC3-BFEA-32B5F5CA174B}" destId="{4155D7C3-E983-4E6D-9BF4-9CAAB733B73B}" srcOrd="0" destOrd="0" presId="urn:microsoft.com/office/officeart/2005/8/layout/hierarchy5"/>
-    <dgm:cxn modelId="{6F92BF57-E311-497E-A4FE-2E671E582218}" type="presOf" srcId="{9576AD15-25E0-4715-B42E-25C7552644E2}" destId="{CB77EA43-5E7A-449E-92B5-B90875E4CC4D}" srcOrd="1" destOrd="0" presId="urn:microsoft.com/office/officeart/2005/8/layout/hierarchy5"/>
-    <dgm:cxn modelId="{D04B3908-29BA-4CAF-8A97-484006056E04}" srcId="{4AE042CC-B4FB-4DA1-85C7-E16FC87853C5}" destId="{EC1F9FF6-49DD-4C16-97D4-BEBE9C22AD86}" srcOrd="3" destOrd="0" parTransId="{7BA50816-CB0B-4F86-B363-D5546ABC080B}" sibTransId="{5686051B-204E-4D74-B70B-C377CE3E0A06}"/>
-    <dgm:cxn modelId="{576732D7-2872-4A0F-9635-171AA439D62D}" srcId="{03D890F5-5A39-432C-9C07-2B7DA24FAA55}" destId="{9215E104-5706-4E04-A4B2-4903414CD9B4}" srcOrd="0" destOrd="0" parTransId="{63DD6D8A-5770-47CF-8F13-EABD075F9BD3}" sibTransId="{83B86C4F-260C-4B73-B225-BD82D3F371BB}"/>
-    <dgm:cxn modelId="{083C2B10-CAE6-4E01-9546-8C310D5620C5}" type="presOf" srcId="{62EF07B9-B6B9-459E-ACFF-7A887B45D290}" destId="{88955B3A-580A-4EDC-BDA1-C5D9A85B104E}" srcOrd="1" destOrd="0" presId="urn:microsoft.com/office/officeart/2005/8/layout/hierarchy5"/>
-    <dgm:cxn modelId="{27E0E188-C8B6-4E4E-A7C4-6A5BA1FEB232}" type="presOf" srcId="{3D77DB69-23DC-4305-9EF4-69381423E66B}" destId="{828116C0-2929-4AE1-953F-3531D5EF8921}" srcOrd="1" destOrd="0" presId="urn:microsoft.com/office/officeart/2005/8/layout/hierarchy5"/>
-    <dgm:cxn modelId="{6464B341-A2B8-4862-B9AD-3731AD482C36}" srcId="{35E681C7-7EF8-4282-B072-02400EB1AD73}" destId="{A090A995-2421-474E-83EB-4BADD2779263}" srcOrd="1" destOrd="0" parTransId="{9576AD15-25E0-4715-B42E-25C7552644E2}" sibTransId="{9751CE3E-F3E7-41C8-B934-9959773C32F5}"/>
-    <dgm:cxn modelId="{2EFA84FD-95B3-460F-8AB4-71BC3969DF4A}" type="presOf" srcId="{A090A995-2421-474E-83EB-4BADD2779263}" destId="{B8D5BF76-E792-496F-9D6C-7BF87EF57022}" srcOrd="0" destOrd="0" presId="urn:microsoft.com/office/officeart/2005/8/layout/hierarchy5"/>
-    <dgm:cxn modelId="{306B65F1-97BC-49E8-AFA6-C534529A0D76}" type="presOf" srcId="{4685DAA1-E04C-4C29-B8A6-E23CAAC5AEED}" destId="{DC6D8191-60A8-4505-A5B9-8E1C945181A2}" srcOrd="0" destOrd="0" presId="urn:microsoft.com/office/officeart/2005/8/layout/hierarchy5"/>
-    <dgm:cxn modelId="{8D5A9BDE-715C-46EF-88D2-13F8199DC6F9}" srcId="{35E681C7-7EF8-4282-B072-02400EB1AD73}" destId="{03D890F5-5A39-432C-9C07-2B7DA24FAA55}" srcOrd="0" destOrd="0" parTransId="{62EF07B9-B6B9-459E-ACFF-7A887B45D290}" sibTransId="{700938F3-F2DA-49BA-9EDF-FEDFABB36221}"/>
-    <dgm:cxn modelId="{7111A28E-D2FC-46A9-9F81-8642E800DD0E}" type="presOf" srcId="{9576AD15-25E0-4715-B42E-25C7552644E2}" destId="{9FFAC8CA-6AC4-4572-8E90-5C17C9384AFC}" srcOrd="0" destOrd="0" presId="urn:microsoft.com/office/officeart/2005/8/layout/hierarchy5"/>
-    <dgm:cxn modelId="{0F06CC39-D865-4F83-AAC2-4C91B3D2EB7C}" type="presOf" srcId="{7D126980-368F-4A7F-A34C-2DEFE71ED05F}" destId="{10A4AFBB-18F3-43B7-A4BB-2A1512A46503}" srcOrd="0" destOrd="0" presId="urn:microsoft.com/office/officeart/2005/8/layout/hierarchy5"/>
     <dgm:cxn modelId="{64730DAD-329F-4DB9-8540-6B97C0540584}" srcId="{03D890F5-5A39-432C-9C07-2B7DA24FAA55}" destId="{FC80D2ED-D512-4144-869C-675013BA1EB2}" srcOrd="1" destOrd="0" parTransId="{7D126980-368F-4A7F-A34C-2DEFE71ED05F}" sibTransId="{2023308B-0BE3-4250-865F-21D6FE819E6C}"/>
     <dgm:cxn modelId="{B89A6FB3-C099-4E2D-9048-BE7A8CB29544}" srcId="{A090A995-2421-474E-83EB-4BADD2779263}" destId="{800DF04A-1619-4AC3-BFEA-32B5F5CA174B}" srcOrd="0" destOrd="0" parTransId="{4685DAA1-E04C-4C29-B8A6-E23CAAC5AEED}" sibTransId="{1F43ADA9-AB2F-421F-8809-3E562ACD04E9}"/>
-    <dgm:cxn modelId="{BD717657-2505-4851-9EBC-2FEAD785BB33}" srcId="{4AE042CC-B4FB-4DA1-85C7-E16FC87853C5}" destId="{35E681C7-7EF8-4282-B072-02400EB1AD73}" srcOrd="0" destOrd="0" parTransId="{5B92CD20-79EC-44DD-8F33-EA648BFB85AA}" sibTransId="{30CFEDCB-3C8C-471A-B518-3E3A6DCAB14A}"/>
-    <dgm:cxn modelId="{6B9D4A99-CFCE-42BA-8F5F-16D4CE67EA2E}" type="presOf" srcId="{4AE042CC-B4FB-4DA1-85C7-E16FC87853C5}" destId="{90794BF1-111C-4D41-BEE8-8D33F7E4E42C}" srcOrd="0" destOrd="0" presId="urn:microsoft.com/office/officeart/2005/8/layout/hierarchy5"/>
-    <dgm:cxn modelId="{1B7CB168-2AC7-4B2B-9C2A-02BFF15178EE}" type="presOf" srcId="{35E681C7-7EF8-4282-B072-02400EB1AD73}" destId="{ABA04602-C7B3-4C38-A9B0-89016F9A0215}" srcOrd="0" destOrd="0" presId="urn:microsoft.com/office/officeart/2005/8/layout/hierarchy5"/>
-    <dgm:cxn modelId="{6CC29B8C-1930-4F12-8796-03942DA99522}" type="presOf" srcId="{3D77DB69-23DC-4305-9EF4-69381423E66B}" destId="{7ACAEFD4-E989-41B8-80C5-FD8D7E6A0F35}" srcOrd="0" destOrd="0" presId="urn:microsoft.com/office/officeart/2005/8/layout/hierarchy5"/>
-    <dgm:cxn modelId="{8CB64627-264C-45B5-B940-F56338383EFD}" type="presOf" srcId="{EC1F9FF6-49DD-4C16-97D4-BEBE9C22AD86}" destId="{F0133E2E-B801-4CC9-853C-814925EC6510}" srcOrd="1" destOrd="0" presId="urn:microsoft.com/office/officeart/2005/8/layout/hierarchy5"/>
-    <dgm:cxn modelId="{1CE8D6AB-16BB-408C-9338-AD01C1077F5F}" type="presOf" srcId="{172CA7EF-237D-4425-AA46-57B7EAB68FD9}" destId="{1BE110C8-FE28-4BD5-B87E-A05880DF352F}" srcOrd="0" destOrd="0" presId="urn:microsoft.com/office/officeart/2005/8/layout/hierarchy5"/>
-    <dgm:cxn modelId="{9F08EC70-BCE7-432D-A276-22854EC52CE9}" type="presOf" srcId="{63DD6D8A-5770-47CF-8F13-EABD075F9BD3}" destId="{FED66D33-D291-4EB9-9F45-E08E779B0DDE}" srcOrd="0" destOrd="0" presId="urn:microsoft.com/office/officeart/2005/8/layout/hierarchy5"/>
+    <dgm:cxn modelId="{3CBB7FB3-E82B-42D0-869E-5391BEBD2C24}" type="presOf" srcId="{03D890F5-5A39-432C-9C07-2B7DA24FAA55}" destId="{16EDA41D-82D5-4192-B7D4-8FB2DA643520}" srcOrd="0" destOrd="0" presId="urn:microsoft.com/office/officeart/2005/8/layout/hierarchy5"/>
+    <dgm:cxn modelId="{18FA21B4-23E5-40E2-ABBA-4202D6BEF546}" type="presOf" srcId="{172CA7EF-237D-4425-AA46-57B7EAB68FD9}" destId="{32DF48C3-CCF0-4364-AA38-2B570A88CBD5}" srcOrd="1" destOrd="0" presId="urn:microsoft.com/office/officeart/2005/8/layout/hierarchy5"/>
     <dgm:cxn modelId="{F237B5B5-2C49-4507-9433-5EFE79981615}" type="presOf" srcId="{9215E104-5706-4E04-A4B2-4903414CD9B4}" destId="{89200BF8-A504-4976-97A3-910771D5C334}" srcOrd="0" destOrd="0" presId="urn:microsoft.com/office/officeart/2005/8/layout/hierarchy5"/>
+    <dgm:cxn modelId="{4C6DA6B7-AF62-4A15-85A7-7A31BB428D8F}" type="presOf" srcId="{7D126980-368F-4A7F-A34C-2DEFE71ED05F}" destId="{FFCE5990-A0F3-447F-B511-59647C730D6D}" srcOrd="1" destOrd="0" presId="urn:microsoft.com/office/officeart/2005/8/layout/hierarchy5"/>
+    <dgm:cxn modelId="{961D95BC-9D6F-4FA5-BE85-A1ACB101DA55}" type="presOf" srcId="{EC1F9FF6-49DD-4C16-97D4-BEBE9C22AD86}" destId="{BC388E0F-7A52-4A13-887B-EF52BE348820}" srcOrd="0" destOrd="0" presId="urn:microsoft.com/office/officeart/2005/8/layout/hierarchy5"/>
+    <dgm:cxn modelId="{576732D7-2872-4A0F-9635-171AA439D62D}" srcId="{03D890F5-5A39-432C-9C07-2B7DA24FAA55}" destId="{9215E104-5706-4E04-A4B2-4903414CD9B4}" srcOrd="0" destOrd="0" parTransId="{63DD6D8A-5770-47CF-8F13-EABD075F9BD3}" sibTransId="{83B86C4F-260C-4B73-B225-BD82D3F371BB}"/>
+    <dgm:cxn modelId="{7B2670DC-F9C0-4334-8181-469783733EC4}" type="presOf" srcId="{FC80D2ED-D512-4144-869C-675013BA1EB2}" destId="{5C0A62EE-F132-4D4E-A4EF-032DBAAC28B5}" srcOrd="0" destOrd="0" presId="urn:microsoft.com/office/officeart/2005/8/layout/hierarchy5"/>
+    <dgm:cxn modelId="{8D5A9BDE-715C-46EF-88D2-13F8199DC6F9}" srcId="{35E681C7-7EF8-4282-B072-02400EB1AD73}" destId="{03D890F5-5A39-432C-9C07-2B7DA24FAA55}" srcOrd="0" destOrd="0" parTransId="{62EF07B9-B6B9-459E-ACFF-7A887B45D290}" sibTransId="{700938F3-F2DA-49BA-9EDF-FEDFABB36221}"/>
+    <dgm:cxn modelId="{306B65F1-97BC-49E8-AFA6-C534529A0D76}" type="presOf" srcId="{4685DAA1-E04C-4C29-B8A6-E23CAAC5AEED}" destId="{DC6D8191-60A8-4505-A5B9-8E1C945181A2}" srcOrd="0" destOrd="0" presId="urn:microsoft.com/office/officeart/2005/8/layout/hierarchy5"/>
+    <dgm:cxn modelId="{2EFA84FD-95B3-460F-8AB4-71BC3969DF4A}" type="presOf" srcId="{A090A995-2421-474E-83EB-4BADD2779263}" destId="{B8D5BF76-E792-496F-9D6C-7BF87EF57022}" srcOrd="0" destOrd="0" presId="urn:microsoft.com/office/officeart/2005/8/layout/hierarchy5"/>
     <dgm:cxn modelId="{DB2D968C-9AD9-48FF-A729-B425379F273F}" type="presParOf" srcId="{90794BF1-111C-4D41-BEE8-8D33F7E4E42C}" destId="{BD4E5D87-D623-4BE8-B573-7100B2F2C967}" srcOrd="0" destOrd="0" presId="urn:microsoft.com/office/officeart/2005/8/layout/hierarchy5"/>
     <dgm:cxn modelId="{0D43A6C1-EF54-4724-A505-AB1AFBF3DC23}" type="presParOf" srcId="{BD4E5D87-D623-4BE8-B573-7100B2F2C967}" destId="{1A48B8F2-DE5D-46DB-A684-B6D118FEAAE4}" srcOrd="0" destOrd="0" presId="urn:microsoft.com/office/officeart/2005/8/layout/hierarchy5"/>
     <dgm:cxn modelId="{8F5DB30A-0CEA-4C65-95C9-FD45EB623E25}" type="presParOf" srcId="{BD4E5D87-D623-4BE8-B573-7100B2F2C967}" destId="{614F04DC-F41A-4287-A0FE-B5BECD4A4D21}" srcOrd="1" destOrd="0" presId="urn:microsoft.com/office/officeart/2005/8/layout/hierarchy5"/>
@@ -2566,12 +2570,12 @@
     </dgm:pt>
   </dgm:ptLst>
   <dgm:cxnLst>
+    <dgm:cxn modelId="{96F4FA17-A65E-4A95-943F-3EDD03B33D71}" type="presOf" srcId="{9BC78EDC-FEFF-4090-B81E-CE606D61B148}" destId="{FCD446B0-9739-4321-8EB0-B80BFC09B6FD}" srcOrd="0" destOrd="0" presId="urn:microsoft.com/office/officeart/2005/8/layout/default"/>
+    <dgm:cxn modelId="{91353825-5622-4C9C-9D82-500EF4786255}" type="presOf" srcId="{4B5E1D2B-AFB5-4794-8F4A-69125C476E63}" destId="{9085EF5B-73EF-454C-A502-7691ED0E7C9F}" srcOrd="0" destOrd="0" presId="urn:microsoft.com/office/officeart/2005/8/layout/default"/>
+    <dgm:cxn modelId="{400D2E73-D110-4BA8-BA61-579813EC3FFB}" srcId="{9BC78EDC-FEFF-4090-B81E-CE606D61B148}" destId="{4B5E1D2B-AFB5-4794-8F4A-69125C476E63}" srcOrd="2" destOrd="0" parTransId="{DEB950D6-6A37-4314-A731-C364F21F193E}" sibTransId="{40B329F0-45F5-4619-B2F3-1B4BFE4927A7}"/>
+    <dgm:cxn modelId="{8850CB93-1383-4D08-AA15-6D3C7467755C}" srcId="{9BC78EDC-FEFF-4090-B81E-CE606D61B148}" destId="{23B3BF28-BCE4-4C45-8A71-311085FA4846}" srcOrd="0" destOrd="0" parTransId="{7403CB25-3155-4986-A64E-EC3515387B3F}" sibTransId="{9A3F4A4C-06EE-4AEE-B368-0A38BC94A14B}"/>
+    <dgm:cxn modelId="{12FB30AA-7195-4EA3-9E99-CCA861C2E6F6}" type="presOf" srcId="{8554B200-235E-4233-8E8C-1B6D9E646845}" destId="{E31FDB3D-3EB4-4315-A16C-2A15FB78031A}" srcOrd="0" destOrd="0" presId="urn:microsoft.com/office/officeart/2005/8/layout/default"/>
     <dgm:cxn modelId="{32E965B6-C211-453E-BBBB-871E77276B4F}" srcId="{9BC78EDC-FEFF-4090-B81E-CE606D61B148}" destId="{8554B200-235E-4233-8E8C-1B6D9E646845}" srcOrd="1" destOrd="0" parTransId="{7B831E5E-4162-472E-B7BF-5BCA1529A244}" sibTransId="{0A4BBE22-A9BE-4006-B1B9-FBBF7FCD1674}"/>
-    <dgm:cxn modelId="{91353825-5622-4C9C-9D82-500EF4786255}" type="presOf" srcId="{4B5E1D2B-AFB5-4794-8F4A-69125C476E63}" destId="{9085EF5B-73EF-454C-A502-7691ED0E7C9F}" srcOrd="0" destOrd="0" presId="urn:microsoft.com/office/officeart/2005/8/layout/default"/>
-    <dgm:cxn modelId="{12FB30AA-7195-4EA3-9E99-CCA861C2E6F6}" type="presOf" srcId="{8554B200-235E-4233-8E8C-1B6D9E646845}" destId="{E31FDB3D-3EB4-4315-A16C-2A15FB78031A}" srcOrd="0" destOrd="0" presId="urn:microsoft.com/office/officeart/2005/8/layout/default"/>
-    <dgm:cxn modelId="{400D2E73-D110-4BA8-BA61-579813EC3FFB}" srcId="{9BC78EDC-FEFF-4090-B81E-CE606D61B148}" destId="{4B5E1D2B-AFB5-4794-8F4A-69125C476E63}" srcOrd="2" destOrd="0" parTransId="{DEB950D6-6A37-4314-A731-C364F21F193E}" sibTransId="{40B329F0-45F5-4619-B2F3-1B4BFE4927A7}"/>
-    <dgm:cxn modelId="{96F4FA17-A65E-4A95-943F-3EDD03B33D71}" type="presOf" srcId="{9BC78EDC-FEFF-4090-B81E-CE606D61B148}" destId="{FCD446B0-9739-4321-8EB0-B80BFC09B6FD}" srcOrd="0" destOrd="0" presId="urn:microsoft.com/office/officeart/2005/8/layout/default"/>
-    <dgm:cxn modelId="{8850CB93-1383-4D08-AA15-6D3C7467755C}" srcId="{9BC78EDC-FEFF-4090-B81E-CE606D61B148}" destId="{23B3BF28-BCE4-4C45-8A71-311085FA4846}" srcOrd="0" destOrd="0" parTransId="{7403CB25-3155-4986-A64E-EC3515387B3F}" sibTransId="{9A3F4A4C-06EE-4AEE-B368-0A38BC94A14B}"/>
     <dgm:cxn modelId="{23661FCE-FDE2-4B78-96AA-A3DACA743B32}" type="presOf" srcId="{23B3BF28-BCE4-4C45-8A71-311085FA4846}" destId="{EAF4E619-36B4-44BA-9191-8C53A80439D9}" srcOrd="0" destOrd="0" presId="urn:microsoft.com/office/officeart/2005/8/layout/default"/>
     <dgm:cxn modelId="{A7218327-6CDF-4A33-B075-E508D75C31DA}" type="presParOf" srcId="{FCD446B0-9739-4321-8EB0-B80BFC09B6FD}" destId="{EAF4E619-36B4-44BA-9191-8C53A80439D9}" srcOrd="0" destOrd="0" presId="urn:microsoft.com/office/officeart/2005/8/layout/default"/>
     <dgm:cxn modelId="{BFFEAC1C-C7B8-49CB-AE63-AA9A0C62C034}" type="presParOf" srcId="{FCD446B0-9739-4321-8EB0-B80BFC09B6FD}" destId="{9BDA4D21-4C20-43C1-85A4-7A92B4F284A2}" srcOrd="1" destOrd="0" presId="urn:microsoft.com/office/officeart/2005/8/layout/default"/>
@@ -6789,7 +6793,7 @@
           <a:p>
             <a:fld id="{20B225C8-CFDC-4CCC-9590-2E47F81C6CFA}" type="datetimeFigureOut">
               <a:rPr lang="en-US" smtClean="0"/>
-              <a:t>8/12/2016</a:t>
+              <a:t>11/1/2017</a:t>
             </a:fld>
             <a:endParaRPr lang="en-US"/>
           </a:p>
@@ -6884,7 +6888,6 @@
               <a:rPr lang="en-US"/>
               <a:t>Fifth level</a:t>
             </a:r>
-            <a:endParaRPr lang="en-US"/>
           </a:p>
         </p:txBody>
       </p:sp>
@@ -7226,12 +7229,6 @@
               </a:rPr>
               <a:t>20532C</a:t>
             </a:r>
-            <a:endParaRPr lang="en-US" sz="1200">
-              <a:solidFill>
-                <a:srgbClr val="000000"/>
-              </a:solidFill>
-              <a:latin typeface="Arial" panose="020B0604020202020204" pitchFamily="34" charset="0"/>
-            </a:endParaRPr>
           </a:p>
         </p:txBody>
       </p:sp>
@@ -7306,12 +7303,6 @@
               </a:rPr>
               <a:t>7: Storing and Consuming Files from Azure Storage</a:t>
             </a:r>
-            <a:endParaRPr lang="en-US" sz="1200">
-              <a:solidFill>
-                <a:srgbClr val="336699"/>
-              </a:solidFill>
-              <a:latin typeface="Arial" panose="020B0604020202020204" pitchFamily="34" charset="0"/>
-            </a:endParaRPr>
           </a:p>
         </p:txBody>
       </p:sp>
@@ -7497,12 +7488,6 @@
               </a:rPr>
               <a:t>20532C</a:t>
             </a:r>
-            <a:endParaRPr lang="en-US" sz="1200">
-              <a:solidFill>
-                <a:srgbClr val="000000"/>
-              </a:solidFill>
-              <a:latin typeface="Arial" panose="020B0604020202020204" pitchFamily="34" charset="0"/>
-            </a:endParaRPr>
           </a:p>
         </p:txBody>
       </p:sp>
@@ -7577,12 +7562,6 @@
               </a:rPr>
               <a:t>7: Storing and Consuming Files from Azure Storage</a:t>
             </a:r>
-            <a:endParaRPr lang="en-US" sz="1200">
-              <a:solidFill>
-                <a:srgbClr val="336699"/>
-              </a:solidFill>
-              <a:latin typeface="Arial" panose="020B0604020202020204" pitchFamily="34" charset="0"/>
-            </a:endParaRPr>
           </a:p>
         </p:txBody>
       </p:sp>
@@ -7628,8 +7607,8 @@
         </p:nvSpPr>
         <p:spPr>
           <a:xfrm>
-            <a:off x="4325112" y="73152"/>
-            <a:ext cx="2468880" cy="1851660"/>
+            <a:off x="4325938" y="73025"/>
+            <a:ext cx="2466975" cy="1851025"/>
           </a:xfrm>
         </p:spPr>
       </p:sp>
@@ -7768,12 +7747,6 @@
               </a:rPr>
               <a:t>20532C</a:t>
             </a:r>
-            <a:endParaRPr lang="en-US" sz="1200">
-              <a:solidFill>
-                <a:srgbClr val="000000"/>
-              </a:solidFill>
-              <a:latin typeface="Arial" panose="020B0604020202020204" pitchFamily="34" charset="0"/>
-            </a:endParaRPr>
           </a:p>
         </p:txBody>
       </p:sp>
@@ -7848,12 +7821,6 @@
               </a:rPr>
               <a:t>7: Storing and Consuming Files from Azure Storage</a:t>
             </a:r>
-            <a:endParaRPr lang="en-US" sz="1200">
-              <a:solidFill>
-                <a:srgbClr val="336699"/>
-              </a:solidFill>
-              <a:latin typeface="Arial" panose="020B0604020202020204" pitchFamily="34" charset="0"/>
-            </a:endParaRPr>
           </a:p>
         </p:txBody>
       </p:sp>
@@ -7899,8 +7866,8 @@
         </p:nvSpPr>
         <p:spPr>
           <a:xfrm>
-            <a:off x="4325112" y="73152"/>
-            <a:ext cx="2468880" cy="1851660"/>
+            <a:off x="4325938" y="73025"/>
+            <a:ext cx="2466975" cy="1851025"/>
           </a:xfrm>
         </p:spPr>
       </p:sp>
@@ -8039,12 +8006,6 @@
               </a:rPr>
               <a:t>20532C</a:t>
             </a:r>
-            <a:endParaRPr lang="en-US" sz="1200">
-              <a:solidFill>
-                <a:srgbClr val="000000"/>
-              </a:solidFill>
-              <a:latin typeface="Arial" panose="020B0604020202020204" pitchFamily="34" charset="0"/>
-            </a:endParaRPr>
           </a:p>
         </p:txBody>
       </p:sp>
@@ -8119,12 +8080,6 @@
               </a:rPr>
               <a:t>7: Storing and Consuming Files from Azure Storage</a:t>
             </a:r>
-            <a:endParaRPr lang="en-US" sz="1200">
-              <a:solidFill>
-                <a:srgbClr val="336699"/>
-              </a:solidFill>
-              <a:latin typeface="Arial" panose="020B0604020202020204" pitchFamily="34" charset="0"/>
-            </a:endParaRPr>
           </a:p>
         </p:txBody>
       </p:sp>
@@ -8310,12 +8265,6 @@
               </a:rPr>
               <a:t>20532C</a:t>
             </a:r>
-            <a:endParaRPr lang="en-US" sz="1200">
-              <a:solidFill>
-                <a:srgbClr val="000000"/>
-              </a:solidFill>
-              <a:latin typeface="Arial" panose="020B0604020202020204" pitchFamily="34" charset="0"/>
-            </a:endParaRPr>
           </a:p>
         </p:txBody>
       </p:sp>
@@ -8390,12 +8339,6 @@
               </a:rPr>
               <a:t>7: Storing and Consuming Files from Azure Storage</a:t>
             </a:r>
-            <a:endParaRPr lang="en-US" sz="1200">
-              <a:solidFill>
-                <a:srgbClr val="336699"/>
-              </a:solidFill>
-              <a:latin typeface="Arial" panose="020B0604020202020204" pitchFamily="34" charset="0"/>
-            </a:endParaRPr>
           </a:p>
         </p:txBody>
       </p:sp>
@@ -8605,12 +8548,6 @@
               </a:rPr>
               <a:t>20532C</a:t>
             </a:r>
-            <a:endParaRPr lang="en-US" sz="1200">
-              <a:solidFill>
-                <a:srgbClr val="000000"/>
-              </a:solidFill>
-              <a:latin typeface="Arial" panose="020B0604020202020204" pitchFamily="34" charset="0"/>
-            </a:endParaRPr>
           </a:p>
         </p:txBody>
       </p:sp>
@@ -8685,12 +8622,6 @@
               </a:rPr>
               <a:t>7: Storing and Consuming Files from Azure Storage</a:t>
             </a:r>
-            <a:endParaRPr lang="en-US" sz="1200">
-              <a:solidFill>
-                <a:srgbClr val="336699"/>
-              </a:solidFill>
-              <a:latin typeface="Arial" panose="020B0604020202020204" pitchFamily="34" charset="0"/>
-            </a:endParaRPr>
           </a:p>
         </p:txBody>
       </p:sp>
@@ -8736,8 +8667,8 @@
         </p:nvSpPr>
         <p:spPr>
           <a:xfrm>
-            <a:off x="4325112" y="73152"/>
-            <a:ext cx="2468880" cy="1851660"/>
+            <a:off x="4325938" y="73025"/>
+            <a:ext cx="2466975" cy="1851025"/>
           </a:xfrm>
         </p:spPr>
       </p:sp>
@@ -8876,12 +8807,6 @@
               </a:rPr>
               <a:t>20532C</a:t>
             </a:r>
-            <a:endParaRPr lang="en-US" sz="1200">
-              <a:solidFill>
-                <a:srgbClr val="000000"/>
-              </a:solidFill>
-              <a:latin typeface="Arial" panose="020B0604020202020204" pitchFamily="34" charset="0"/>
-            </a:endParaRPr>
           </a:p>
         </p:txBody>
       </p:sp>
@@ -8956,12 +8881,6 @@
               </a:rPr>
               <a:t>7: Storing and Consuming Files from Azure Storage</a:t>
             </a:r>
-            <a:endParaRPr lang="en-US" sz="1200">
-              <a:solidFill>
-                <a:srgbClr val="336699"/>
-              </a:solidFill>
-              <a:latin typeface="Arial" panose="020B0604020202020204" pitchFamily="34" charset="0"/>
-            </a:endParaRPr>
           </a:p>
         </p:txBody>
       </p:sp>
@@ -9007,8 +8926,8 @@
         </p:nvSpPr>
         <p:spPr>
           <a:xfrm>
-            <a:off x="4325112" y="73152"/>
-            <a:ext cx="2468880" cy="1851660"/>
+            <a:off x="4325938" y="73025"/>
+            <a:ext cx="2466975" cy="1851025"/>
           </a:xfrm>
         </p:spPr>
       </p:sp>
@@ -9147,12 +9066,6 @@
               </a:rPr>
               <a:t>20532C</a:t>
             </a:r>
-            <a:endParaRPr lang="en-US" sz="1200">
-              <a:solidFill>
-                <a:srgbClr val="000000"/>
-              </a:solidFill>
-              <a:latin typeface="Arial" panose="020B0604020202020204" pitchFamily="34" charset="0"/>
-            </a:endParaRPr>
           </a:p>
         </p:txBody>
       </p:sp>
@@ -9227,12 +9140,6 @@
               </a:rPr>
               <a:t>7: Storing and Consuming Files from Azure Storage</a:t>
             </a:r>
-            <a:endParaRPr lang="en-US" sz="1200">
-              <a:solidFill>
-                <a:srgbClr val="336699"/>
-              </a:solidFill>
-              <a:latin typeface="Arial" panose="020B0604020202020204" pitchFamily="34" charset="0"/>
-            </a:endParaRPr>
           </a:p>
         </p:txBody>
       </p:sp>
@@ -9418,12 +9325,6 @@
               </a:rPr>
               <a:t>20532C</a:t>
             </a:r>
-            <a:endParaRPr lang="en-US" sz="1200">
-              <a:solidFill>
-                <a:srgbClr val="000000"/>
-              </a:solidFill>
-              <a:latin typeface="Arial" panose="020B0604020202020204" pitchFamily="34" charset="0"/>
-            </a:endParaRPr>
           </a:p>
         </p:txBody>
       </p:sp>
@@ -9498,12 +9399,6 @@
               </a:rPr>
               <a:t>7: Storing and Consuming Files from Azure Storage</a:t>
             </a:r>
-            <a:endParaRPr lang="en-US" sz="1200">
-              <a:solidFill>
-                <a:srgbClr val="336699"/>
-              </a:solidFill>
-              <a:latin typeface="Arial" panose="020B0604020202020204" pitchFamily="34" charset="0"/>
-            </a:endParaRPr>
           </a:p>
         </p:txBody>
       </p:sp>
@@ -9689,12 +9584,6 @@
               </a:rPr>
               <a:t>20532C</a:t>
             </a:r>
-            <a:endParaRPr lang="en-US" sz="1200">
-              <a:solidFill>
-                <a:srgbClr val="000000"/>
-              </a:solidFill>
-              <a:latin typeface="Arial" panose="020B0604020202020204" pitchFamily="34" charset="0"/>
-            </a:endParaRPr>
           </a:p>
         </p:txBody>
       </p:sp>
@@ -9769,12 +9658,6 @@
               </a:rPr>
               <a:t>7: Storing and Consuming Files from Azure Storage</a:t>
             </a:r>
-            <a:endParaRPr lang="en-US" sz="1200">
-              <a:solidFill>
-                <a:srgbClr val="336699"/>
-              </a:solidFill>
-              <a:latin typeface="Arial" panose="020B0604020202020204" pitchFamily="34" charset="0"/>
-            </a:endParaRPr>
           </a:p>
         </p:txBody>
       </p:sp>
@@ -9960,12 +9843,6 @@
               </a:rPr>
               <a:t>20532C</a:t>
             </a:r>
-            <a:endParaRPr lang="en-US" sz="1200">
-              <a:solidFill>
-                <a:srgbClr val="000000"/>
-              </a:solidFill>
-              <a:latin typeface="Arial" panose="020B0604020202020204" pitchFamily="34" charset="0"/>
-            </a:endParaRPr>
           </a:p>
         </p:txBody>
       </p:sp>
@@ -10040,12 +9917,6 @@
               </a:rPr>
               <a:t>7: Storing and Consuming Files from Azure Storage</a:t>
             </a:r>
-            <a:endParaRPr lang="en-US" sz="1200">
-              <a:solidFill>
-                <a:srgbClr val="336699"/>
-              </a:solidFill>
-              <a:latin typeface="Arial" panose="020B0604020202020204" pitchFamily="34" charset="0"/>
-            </a:endParaRPr>
           </a:p>
         </p:txBody>
       </p:sp>
@@ -10091,8 +9962,8 @@
         </p:nvSpPr>
         <p:spPr>
           <a:xfrm>
-            <a:off x="4325112" y="73152"/>
-            <a:ext cx="2468880" cy="1851660"/>
+            <a:off x="4325938" y="73025"/>
+            <a:ext cx="2466975" cy="1851025"/>
           </a:xfrm>
         </p:spPr>
       </p:sp>
@@ -10231,12 +10102,6 @@
               </a:rPr>
               <a:t>20532C</a:t>
             </a:r>
-            <a:endParaRPr lang="en-US" sz="1200">
-              <a:solidFill>
-                <a:srgbClr val="000000"/>
-              </a:solidFill>
-              <a:latin typeface="Arial" panose="020B0604020202020204" pitchFamily="34" charset="0"/>
-            </a:endParaRPr>
           </a:p>
         </p:txBody>
       </p:sp>
@@ -10311,12 +10176,6 @@
               </a:rPr>
               <a:t>7: Storing and Consuming Files from Azure Storage</a:t>
             </a:r>
-            <a:endParaRPr lang="en-US" sz="1200">
-              <a:solidFill>
-                <a:srgbClr val="336699"/>
-              </a:solidFill>
-              <a:latin typeface="Arial" panose="020B0604020202020204" pitchFamily="34" charset="0"/>
-            </a:endParaRPr>
           </a:p>
         </p:txBody>
       </p:sp>
@@ -10502,12 +10361,6 @@
               </a:rPr>
               <a:t>20532C</a:t>
             </a:r>
-            <a:endParaRPr lang="en-US" sz="1200">
-              <a:solidFill>
-                <a:srgbClr val="000000"/>
-              </a:solidFill>
-              <a:latin typeface="Arial" panose="020B0604020202020204" pitchFamily="34" charset="0"/>
-            </a:endParaRPr>
           </a:p>
         </p:txBody>
       </p:sp>
@@ -10582,12 +10435,6 @@
               </a:rPr>
               <a:t>7: Storing and Consuming Files from Azure Storage</a:t>
             </a:r>
-            <a:endParaRPr lang="en-US" sz="1200">
-              <a:solidFill>
-                <a:srgbClr val="336699"/>
-              </a:solidFill>
-              <a:latin typeface="Arial" panose="020B0604020202020204" pitchFamily="34" charset="0"/>
-            </a:endParaRPr>
           </a:p>
         </p:txBody>
       </p:sp>
@@ -10773,12 +10620,6 @@
               </a:rPr>
               <a:t>20532C</a:t>
             </a:r>
-            <a:endParaRPr lang="en-US" sz="1200">
-              <a:solidFill>
-                <a:srgbClr val="000000"/>
-              </a:solidFill>
-              <a:latin typeface="Arial" panose="020B0604020202020204" pitchFamily="34" charset="0"/>
-            </a:endParaRPr>
           </a:p>
         </p:txBody>
       </p:sp>
@@ -10853,12 +10694,6 @@
               </a:rPr>
               <a:t>7: Storing and Consuming Files from Azure Storage</a:t>
             </a:r>
-            <a:endParaRPr lang="en-US" sz="1200">
-              <a:solidFill>
-                <a:srgbClr val="336699"/>
-              </a:solidFill>
-              <a:latin typeface="Arial" panose="020B0604020202020204" pitchFamily="34" charset="0"/>
-            </a:endParaRPr>
           </a:p>
         </p:txBody>
       </p:sp>
@@ -11044,12 +10879,6 @@
               </a:rPr>
               <a:t>20532C</a:t>
             </a:r>
-            <a:endParaRPr lang="en-US" sz="1200">
-              <a:solidFill>
-                <a:srgbClr val="000000"/>
-              </a:solidFill>
-              <a:latin typeface="Arial" panose="020B0604020202020204" pitchFamily="34" charset="0"/>
-            </a:endParaRPr>
           </a:p>
         </p:txBody>
       </p:sp>
@@ -11124,12 +10953,6 @@
               </a:rPr>
               <a:t>7: Storing and Consuming Files from Azure Storage</a:t>
             </a:r>
-            <a:endParaRPr lang="en-US" sz="1200">
-              <a:solidFill>
-                <a:srgbClr val="336699"/>
-              </a:solidFill>
-              <a:latin typeface="Arial" panose="020B0604020202020204" pitchFamily="34" charset="0"/>
-            </a:endParaRPr>
           </a:p>
         </p:txBody>
       </p:sp>
@@ -11175,8 +10998,8 @@
         </p:nvSpPr>
         <p:spPr>
           <a:xfrm>
-            <a:off x="4325112" y="73152"/>
-            <a:ext cx="2468880" cy="1851660"/>
+            <a:off x="4325938" y="73025"/>
+            <a:ext cx="2466975" cy="1851025"/>
           </a:xfrm>
         </p:spPr>
       </p:sp>
@@ -11331,12 +11154,6 @@
               </a:rPr>
               <a:t>20532C</a:t>
             </a:r>
-            <a:endParaRPr lang="en-US" sz="1200">
-              <a:solidFill>
-                <a:srgbClr val="000000"/>
-              </a:solidFill>
-              <a:latin typeface="Arial" panose="020B0604020202020204" pitchFamily="34" charset="0"/>
-            </a:endParaRPr>
           </a:p>
         </p:txBody>
       </p:sp>
@@ -11411,12 +11228,6 @@
               </a:rPr>
               <a:t>7: Storing and Consuming Files from Azure Storage</a:t>
             </a:r>
-            <a:endParaRPr lang="en-US" sz="1200">
-              <a:solidFill>
-                <a:srgbClr val="336699"/>
-              </a:solidFill>
-              <a:latin typeface="Arial" panose="020B0604020202020204" pitchFamily="34" charset="0"/>
-            </a:endParaRPr>
           </a:p>
         </p:txBody>
       </p:sp>
@@ -11587,12 +11398,6 @@
               </a:rPr>
               <a:t>20532C</a:t>
             </a:r>
-            <a:endParaRPr lang="en-US" sz="1200">
-              <a:solidFill>
-                <a:srgbClr val="000000"/>
-              </a:solidFill>
-              <a:latin typeface="Arial" panose="020B0604020202020204" pitchFamily="34" charset="0"/>
-            </a:endParaRPr>
           </a:p>
         </p:txBody>
       </p:sp>
@@ -11667,12 +11472,6 @@
               </a:rPr>
               <a:t>7: Storing and Consuming Files from Azure Storage</a:t>
             </a:r>
-            <a:endParaRPr lang="en-US" sz="1200">
-              <a:solidFill>
-                <a:srgbClr val="336699"/>
-              </a:solidFill>
-              <a:latin typeface="Arial" panose="020B0604020202020204" pitchFamily="34" charset="0"/>
-            </a:endParaRPr>
           </a:p>
         </p:txBody>
       </p:sp>
@@ -11922,12 +11721,6 @@
               </a:rPr>
               <a:t>20532C</a:t>
             </a:r>
-            <a:endParaRPr lang="en-US" sz="1200">
-              <a:solidFill>
-                <a:srgbClr val="000000"/>
-              </a:solidFill>
-              <a:latin typeface="Arial" panose="020B0604020202020204" pitchFamily="34" charset="0"/>
-            </a:endParaRPr>
           </a:p>
         </p:txBody>
       </p:sp>
@@ -12002,12 +11795,6 @@
               </a:rPr>
               <a:t>7: Storing and Consuming Files from Azure Storage</a:t>
             </a:r>
-            <a:endParaRPr lang="en-US" sz="1200">
-              <a:solidFill>
-                <a:srgbClr val="336699"/>
-              </a:solidFill>
-              <a:latin typeface="Arial" panose="020B0604020202020204" pitchFamily="34" charset="0"/>
-            </a:endParaRPr>
           </a:p>
         </p:txBody>
       </p:sp>
@@ -12280,12 +12067,6 @@
               </a:rPr>
               <a:t>20532C</a:t>
             </a:r>
-            <a:endParaRPr lang="en-US" sz="1200">
-              <a:solidFill>
-                <a:srgbClr val="000000"/>
-              </a:solidFill>
-              <a:latin typeface="Arial" panose="020B0604020202020204" pitchFamily="34" charset="0"/>
-            </a:endParaRPr>
           </a:p>
         </p:txBody>
       </p:sp>
@@ -12360,12 +12141,6 @@
               </a:rPr>
               <a:t>7: Storing and Consuming Files from Azure Storage</a:t>
             </a:r>
-            <a:endParaRPr lang="en-US" sz="1200">
-              <a:solidFill>
-                <a:srgbClr val="336699"/>
-              </a:solidFill>
-              <a:latin typeface="Arial" panose="020B0604020202020204" pitchFamily="34" charset="0"/>
-            </a:endParaRPr>
           </a:p>
         </p:txBody>
       </p:sp>
@@ -12551,12 +12326,6 @@
               </a:rPr>
               <a:t>20532C</a:t>
             </a:r>
-            <a:endParaRPr lang="en-US" sz="1200">
-              <a:solidFill>
-                <a:srgbClr val="000000"/>
-              </a:solidFill>
-              <a:latin typeface="Arial" panose="020B0604020202020204" pitchFamily="34" charset="0"/>
-            </a:endParaRPr>
           </a:p>
         </p:txBody>
       </p:sp>
@@ -12631,12 +12400,6 @@
               </a:rPr>
               <a:t>7: Storing and Consuming Files from Azure Storage</a:t>
             </a:r>
-            <a:endParaRPr lang="en-US" sz="1200">
-              <a:solidFill>
-                <a:srgbClr val="336699"/>
-              </a:solidFill>
-              <a:latin typeface="Arial" panose="020B0604020202020204" pitchFamily="34" charset="0"/>
-            </a:endParaRPr>
           </a:p>
         </p:txBody>
       </p:sp>
@@ -12822,12 +12585,6 @@
               </a:rPr>
               <a:t>20532C</a:t>
             </a:r>
-            <a:endParaRPr lang="en-US" sz="1200">
-              <a:solidFill>
-                <a:srgbClr val="000000"/>
-              </a:solidFill>
-              <a:latin typeface="Arial" panose="020B0604020202020204" pitchFamily="34" charset="0"/>
-            </a:endParaRPr>
           </a:p>
         </p:txBody>
       </p:sp>
@@ -12902,12 +12659,6 @@
               </a:rPr>
               <a:t>7: Storing and Consuming Files from Azure Storage</a:t>
             </a:r>
-            <a:endParaRPr lang="en-US" sz="1200">
-              <a:solidFill>
-                <a:srgbClr val="336699"/>
-              </a:solidFill>
-              <a:latin typeface="Arial" panose="020B0604020202020204" pitchFamily="34" charset="0"/>
-            </a:endParaRPr>
           </a:p>
         </p:txBody>
       </p:sp>
@@ -13186,12 +12937,6 @@
               </a:rPr>
               <a:t>20532C</a:t>
             </a:r>
-            <a:endParaRPr lang="en-US" sz="1200">
-              <a:solidFill>
-                <a:srgbClr val="000000"/>
-              </a:solidFill>
-              <a:latin typeface="Arial" panose="020B0604020202020204" pitchFamily="34" charset="0"/>
-            </a:endParaRPr>
           </a:p>
         </p:txBody>
       </p:sp>
@@ -13266,12 +13011,6 @@
               </a:rPr>
               <a:t>7: Storing and Consuming Files from Azure Storage</a:t>
             </a:r>
-            <a:endParaRPr lang="en-US" sz="1200">
-              <a:solidFill>
-                <a:srgbClr val="336699"/>
-              </a:solidFill>
-              <a:latin typeface="Arial" panose="020B0604020202020204" pitchFamily="34" charset="0"/>
-            </a:endParaRPr>
           </a:p>
         </p:txBody>
       </p:sp>
@@ -13317,8 +13056,8 @@
         </p:nvSpPr>
         <p:spPr>
           <a:xfrm>
-            <a:off x="4325112" y="73152"/>
-            <a:ext cx="2468880" cy="1851660"/>
+            <a:off x="4325938" y="73025"/>
+            <a:ext cx="2466975" cy="1851025"/>
           </a:xfrm>
         </p:spPr>
       </p:sp>
@@ -13457,12 +13196,6 @@
               </a:rPr>
               <a:t>20532C</a:t>
             </a:r>
-            <a:endParaRPr lang="en-US" sz="1200">
-              <a:solidFill>
-                <a:srgbClr val="000000"/>
-              </a:solidFill>
-              <a:latin typeface="Arial" panose="020B0604020202020204" pitchFamily="34" charset="0"/>
-            </a:endParaRPr>
           </a:p>
         </p:txBody>
       </p:sp>
@@ -13537,12 +13270,6 @@
               </a:rPr>
               <a:t>7: Storing and Consuming Files from Azure Storage</a:t>
             </a:r>
-            <a:endParaRPr lang="en-US" sz="1200">
-              <a:solidFill>
-                <a:srgbClr val="336699"/>
-              </a:solidFill>
-              <a:latin typeface="Arial" panose="020B0604020202020204" pitchFamily="34" charset="0"/>
-            </a:endParaRPr>
           </a:p>
         </p:txBody>
       </p:sp>
@@ -13728,12 +13455,6 @@
               </a:rPr>
               <a:t>20532C</a:t>
             </a:r>
-            <a:endParaRPr lang="en-US" sz="1200">
-              <a:solidFill>
-                <a:srgbClr val="000000"/>
-              </a:solidFill>
-              <a:latin typeface="Arial" panose="020B0604020202020204" pitchFamily="34" charset="0"/>
-            </a:endParaRPr>
           </a:p>
         </p:txBody>
       </p:sp>
@@ -13808,12 +13529,6 @@
               </a:rPr>
               <a:t>7: Storing and Consuming Files from Azure Storage</a:t>
             </a:r>
-            <a:endParaRPr lang="en-US" sz="1200">
-              <a:solidFill>
-                <a:srgbClr val="336699"/>
-              </a:solidFill>
-              <a:latin typeface="Arial" panose="020B0604020202020204" pitchFamily="34" charset="0"/>
-            </a:endParaRPr>
           </a:p>
         </p:txBody>
       </p:sp>
@@ -13999,12 +13714,6 @@
               </a:rPr>
               <a:t>20532C</a:t>
             </a:r>
-            <a:endParaRPr lang="en-US" sz="1200">
-              <a:solidFill>
-                <a:srgbClr val="000000"/>
-              </a:solidFill>
-              <a:latin typeface="Arial" panose="020B0604020202020204" pitchFamily="34" charset="0"/>
-            </a:endParaRPr>
           </a:p>
         </p:txBody>
       </p:sp>
@@ -14079,12 +13788,6 @@
               </a:rPr>
               <a:t>7: Storing and Consuming Files from Azure Storage</a:t>
             </a:r>
-            <a:endParaRPr lang="en-US" sz="1200">
-              <a:solidFill>
-                <a:srgbClr val="336699"/>
-              </a:solidFill>
-              <a:latin typeface="Arial" panose="020B0604020202020204" pitchFamily="34" charset="0"/>
-            </a:endParaRPr>
           </a:p>
         </p:txBody>
       </p:sp>
@@ -14130,8 +13833,8 @@
         </p:nvSpPr>
         <p:spPr>
           <a:xfrm>
-            <a:off x="4325112" y="73152"/>
-            <a:ext cx="2468880" cy="1851660"/>
+            <a:off x="4325938" y="73025"/>
+            <a:ext cx="2466975" cy="1851025"/>
           </a:xfrm>
         </p:spPr>
       </p:sp>
@@ -14270,12 +13973,6 @@
               </a:rPr>
               <a:t>20532C</a:t>
             </a:r>
-            <a:endParaRPr lang="en-US" sz="1200">
-              <a:solidFill>
-                <a:srgbClr val="000000"/>
-              </a:solidFill>
-              <a:latin typeface="Arial" panose="020B0604020202020204" pitchFamily="34" charset="0"/>
-            </a:endParaRPr>
           </a:p>
         </p:txBody>
       </p:sp>
@@ -14350,12 +14047,6 @@
               </a:rPr>
               <a:t>7: Storing and Consuming Files from Azure Storage</a:t>
             </a:r>
-            <a:endParaRPr lang="en-US" sz="1200">
-              <a:solidFill>
-                <a:srgbClr val="336699"/>
-              </a:solidFill>
-              <a:latin typeface="Arial" panose="020B0604020202020204" pitchFamily="34" charset="0"/>
-            </a:endParaRPr>
           </a:p>
         </p:txBody>
       </p:sp>
@@ -14802,7 +14493,6 @@
               <a:rPr lang="en-US"/>
               <a:t>Click to edit Master title style</a:t>
             </a:r>
-            <a:endParaRPr lang="en-US"/>
           </a:p>
         </p:txBody>
       </p:sp>
@@ -14854,7 +14544,6 @@
               <a:rPr lang="en-US"/>
               <a:t>Fifth level</a:t>
             </a:r>
-            <a:endParaRPr lang="en-US"/>
           </a:p>
         </p:txBody>
       </p:sp>
@@ -16975,7 +16664,6 @@
               <a:rPr lang="en-US"/>
               <a:t>Module 7</a:t>
             </a:r>
-            <a:endParaRPr lang="en-US"/>
           </a:p>
         </p:txBody>
       </p:sp>
@@ -16999,7 +16687,6 @@
               <a:t>Storing and Consuming Files from Azure Storage
 </a:t>
             </a:r>
-            <a:endParaRPr lang="en-US"/>
           </a:p>
         </p:txBody>
       </p:sp>
@@ -17052,7 +16739,6 @@
               <a:rPr lang="en-US"/>
               <a:t>Lesson 2: Controlling Access to Storage Blobs and Containers</a:t>
             </a:r>
-            <a:endParaRPr lang="en-US"/>
           </a:p>
         </p:txBody>
       </p:sp>
@@ -17078,7 +16764,6 @@
 Stored Access Policies
 Generating Shared Access Signatures from Policies</a:t>
             </a:r>
-            <a:endParaRPr lang="en-US"/>
           </a:p>
         </p:txBody>
       </p:sp>
@@ -17131,7 +16816,6 @@
               <a:rPr lang="en-US"/>
               <a:t>Container Permissions</a:t>
             </a:r>
-            <a:endParaRPr lang="en-US"/>
           </a:p>
         </p:txBody>
       </p:sp>
@@ -17372,7 +17056,7 @@
           <a:p>
             <a:pPr lvl="0"/>
             <a:r>
-              <a:rPr lang="en-US" b="0" kern="0">
+              <a:rPr lang="en-US" b="0" kern="0" dirty="0">
                 <a:solidFill>
                   <a:srgbClr val="000000"/>
                 </a:solidFill>
@@ -17383,95 +17067,90 @@
           <a:p>
             <a:pPr lvl="1"/>
             <a:r>
-              <a:rPr lang="en-US" b="0" kern="0">
+              <a:rPr lang="en-US" b="0" kern="0" dirty="0">
+                <a:solidFill>
+                  <a:srgbClr val="00B050"/>
+                </a:solidFill>
+              </a:rPr>
+              <a:t>Full public read access</a:t>
+            </a:r>
+          </a:p>
+          <a:p>
+            <a:pPr lvl="2"/>
+            <a:r>
+              <a:rPr lang="en-US" b="0" kern="0" dirty="0">
                 <a:solidFill>
                   <a:srgbClr val="000000"/>
                 </a:solidFill>
               </a:rPr>
-              <a:t>Full public read access</a:t>
+              <a:t>Enumerate container blobs</a:t>
             </a:r>
           </a:p>
           <a:p>
             <a:pPr lvl="2"/>
             <a:r>
-              <a:rPr lang="en-US" b="0" kern="0">
+              <a:rPr lang="en-US" b="0" kern="0" dirty="0">
                 <a:solidFill>
                   <a:srgbClr val="000000"/>
                 </a:solidFill>
               </a:rPr>
-              <a:t>Enumerate container blobs</a:t>
+              <a:t>Read individual blobs</a:t>
             </a:r>
           </a:p>
           <a:p>
             <a:pPr lvl="2"/>
             <a:r>
-              <a:rPr lang="en-US" b="0" kern="0">
+              <a:rPr lang="en-US" b="0" kern="0" dirty="0">
                 <a:solidFill>
                   <a:srgbClr val="000000"/>
                 </a:solidFill>
               </a:rPr>
+              <a:t>Cannot enumerate containers</a:t>
+            </a:r>
+          </a:p>
+          <a:p>
+            <a:pPr lvl="1"/>
+            <a:r>
+              <a:rPr lang="en-US" b="0" kern="0" dirty="0">
+                <a:solidFill>
+                  <a:srgbClr val="00B0F0"/>
+                </a:solidFill>
+              </a:rPr>
+              <a:t>Public read access for blobs only</a:t>
+            </a:r>
+          </a:p>
+          <a:p>
+            <a:pPr lvl="2"/>
+            <a:r>
+              <a:rPr lang="en-US" b="0" kern="0" dirty="0">
+                <a:solidFill>
+                  <a:srgbClr val="000000"/>
+                </a:solidFill>
+              </a:rPr>
               <a:t>Read individual blobs</a:t>
             </a:r>
           </a:p>
           <a:p>
+            <a:pPr lvl="1"/>
+            <a:r>
+              <a:rPr lang="en-US" b="0" kern="0" dirty="0">
+                <a:solidFill>
+                  <a:srgbClr val="FF0000"/>
+                </a:solidFill>
+              </a:rPr>
+              <a:t>No public read access</a:t>
+            </a:r>
+          </a:p>
+          <a:p>
             <a:pPr lvl="2"/>
             <a:r>
-              <a:rPr lang="en-US" b="0" kern="0">
+              <a:rPr lang="en-US" b="0" kern="0" dirty="0">
                 <a:solidFill>
                   <a:srgbClr val="000000"/>
                 </a:solidFill>
               </a:rPr>
-              <a:t>Cannot enumerate containers</a:t>
-            </a:r>
-          </a:p>
-          <a:p>
-            <a:pPr lvl="1"/>
-            <a:r>
-              <a:rPr lang="en-US" b="0" kern="0">
-                <a:solidFill>
-                  <a:srgbClr val="000000"/>
-                </a:solidFill>
-              </a:rPr>
-              <a:t>Public read access for blobs only</a:t>
-            </a:r>
-          </a:p>
-          <a:p>
-            <a:pPr lvl="2"/>
-            <a:r>
-              <a:rPr lang="en-US" b="0" kern="0">
-                <a:solidFill>
-                  <a:srgbClr val="000000"/>
-                </a:solidFill>
-              </a:rPr>
-              <a:t>Read individual blobs</a:t>
-            </a:r>
-          </a:p>
-          <a:p>
-            <a:pPr lvl="1"/>
-            <a:r>
-              <a:rPr lang="en-US" b="0" kern="0">
-                <a:solidFill>
-                  <a:srgbClr val="000000"/>
-                </a:solidFill>
-              </a:rPr>
-              <a:t>No public read access</a:t>
-            </a:r>
-          </a:p>
-          <a:p>
-            <a:pPr lvl="2"/>
-            <a:r>
-              <a:rPr lang="en-US" b="0" kern="0">
-                <a:solidFill>
-                  <a:srgbClr val="000000"/>
-                </a:solidFill>
-              </a:rPr>
               <a:t>No access to blobs, containers, or enumerating contents</a:t>
             </a:r>
-            <a:endParaRPr lang="en-US" b="0" kern="0" dirty="0">
-              <a:solidFill>
-                <a:srgbClr val="000000"/>
-              </a:solidFill>
-            </a:endParaRPr>
           </a:p>
         </p:txBody>
       </p:sp>
@@ -17524,7 +17203,6 @@
               <a:rPr lang="en-US"/>
               <a:t>Shared Access Signatures</a:t>
             </a:r>
-            <a:endParaRPr lang="en-US"/>
           </a:p>
         </p:txBody>
       </p:sp>
@@ -17765,18 +17443,34 @@
           <a:p>
             <a:pPr lvl="0"/>
             <a:r>
-              <a:rPr lang="en-US" b="0" kern="0">
+              <a:rPr lang="en-US" b="0" kern="0" dirty="0">
                 <a:solidFill>
                   <a:srgbClr val="000000"/>
                 </a:solidFill>
               </a:rPr>
-              <a:t>A Shared Access Signature (SAS Token) is a URI that grants access to a protected container, blob, queue or table for a specific time interval.</a:t>
+              <a:t>A </a:t>
+            </a:r>
+            <a:r>
+              <a:rPr lang="en-US" b="0" kern="0" dirty="0">
+                <a:solidFill>
+                  <a:srgbClr val="FF0000"/>
+                </a:solidFill>
+              </a:rPr>
+              <a:t>Shared Access Signature </a:t>
+            </a:r>
+            <a:r>
+              <a:rPr lang="en-US" b="0" kern="0" dirty="0">
+                <a:solidFill>
+                  <a:srgbClr val="000000"/>
+                </a:solidFill>
+              </a:rPr>
+              <a:t>(SAS Token) is a URI that grants access to a protected container, blob, queue or table for a specific time interval.</a:t>
             </a:r>
           </a:p>
           <a:p>
             <a:pPr lvl="1"/>
             <a:r>
-              <a:rPr lang="en-US" b="0" kern="0">
+              <a:rPr lang="en-US" b="0" kern="0" dirty="0">
                 <a:solidFill>
                   <a:srgbClr val="000000"/>
                 </a:solidFill>
@@ -17787,18 +17481,34 @@
           <a:p>
             <a:pPr lvl="1"/>
             <a:r>
-              <a:rPr lang="en-US" b="0" kern="0">
+              <a:rPr lang="en-US" b="0" kern="0" dirty="0">
                 <a:solidFill>
                   <a:srgbClr val="000000"/>
                 </a:solidFill>
               </a:rPr>
-              <a:t>Should only be used with secure (HTTPS) requests</a:t>
+              <a:t>Should only be used with secure (</a:t>
+            </a:r>
+            <a:r>
+              <a:rPr lang="en-US" b="0" kern="0" dirty="0">
+                <a:solidFill>
+                  <a:srgbClr val="FF0000"/>
+                </a:solidFill>
+              </a:rPr>
+              <a:t>HTTPS</a:t>
+            </a:r>
+            <a:r>
+              <a:rPr lang="en-US" b="0" kern="0" dirty="0">
+                <a:solidFill>
+                  <a:srgbClr val="000000"/>
+                </a:solidFill>
+              </a:rPr>
+              <a:t>) requests</a:t>
             </a:r>
           </a:p>
           <a:p>
             <a:pPr lvl="1"/>
             <a:r>
-              <a:rPr lang="en-US" b="0" kern="0">
+              <a:rPr lang="en-US" b="0" kern="0" dirty="0">
                 <a:solidFill>
                   <a:srgbClr val="000000"/>
                 </a:solidFill>
@@ -17809,9 +17519,9 @@
           <a:p>
             <a:pPr lvl="2"/>
             <a:r>
-              <a:rPr lang="en-US" b="0" kern="0">
-                <a:solidFill>
-                  <a:srgbClr val="000000"/>
+              <a:rPr lang="en-US" b="0" kern="0" dirty="0">
+                <a:solidFill>
+                  <a:srgbClr val="00B0F0"/>
                 </a:solidFill>
               </a:rPr>
               <a:t>Start Time</a:t>
@@ -17820,9 +17530,9 @@
           <a:p>
             <a:pPr lvl="2"/>
             <a:r>
-              <a:rPr lang="en-US" b="0" kern="0">
-                <a:solidFill>
-                  <a:srgbClr val="000000"/>
+              <a:rPr lang="en-US" b="0" kern="0" dirty="0">
+                <a:solidFill>
+                  <a:srgbClr val="00B0F0"/>
                 </a:solidFill>
               </a:rPr>
               <a:t>Expiry Time</a:t>
@@ -17831,18 +17541,13 @@
           <a:p>
             <a:pPr lvl="2"/>
             <a:r>
-              <a:rPr lang="en-US" b="0" kern="0">
-                <a:solidFill>
-                  <a:srgbClr val="000000"/>
+              <a:rPr lang="en-US" b="0" kern="0" dirty="0">
+                <a:solidFill>
+                  <a:srgbClr val="00B0F0"/>
                 </a:solidFill>
               </a:rPr>
               <a:t>Permission Levels (Read, Write, Delete, List, None)</a:t>
             </a:r>
-            <a:endParaRPr lang="en-US" b="0" kern="0" dirty="0">
-              <a:solidFill>
-                <a:srgbClr val="000000"/>
-              </a:solidFill>
-            </a:endParaRPr>
           </a:p>
         </p:txBody>
       </p:sp>
@@ -17860,7 +17565,7 @@
 </file>
 
 <file path=ppt/slides/slide13.xml><?xml version="1.0" encoding="utf-8"?>
-<p:sld xmlns:a="http://schemas.openxmlformats.org/drawingml/2006/main" xmlns:r="http://schemas.openxmlformats.org/officeDocument/2006/relationships" xmlns:p="http://schemas.openxmlformats.org/presentationml/2006/main">
+<p:sld xmlns:a="http://schemas.openxmlformats.org/drawingml/2006/main" xmlns:r="http://schemas.openxmlformats.org/officeDocument/2006/relationships" xmlns:p="http://schemas.openxmlformats.org/presentationml/2006/main" show="0">
   <p:cSld name="e266f8f9-fd89-49eb-bc28-fe04a15815f3">
     <p:spTree>
       <p:nvGrpSpPr>
@@ -17895,7 +17600,6 @@
               <a:rPr lang="en-US"/>
               <a:t>Structure of a Shared Access Signature</a:t>
             </a:r>
-            <a:endParaRPr lang="en-US"/>
           </a:p>
         </p:txBody>
       </p:sp>
@@ -18798,7 +18502,6 @@
               <a:rPr lang="en-US"/>
               <a:t>Stored Access Policies</a:t>
             </a:r>
-            <a:endParaRPr lang="en-US"/>
           </a:p>
         </p:txBody>
       </p:sp>
@@ -19147,7 +18850,6 @@
               <a:rPr lang="en-US"/>
               <a:t>Generating Shared Access Signatures from Policies</a:t>
             </a:r>
-            <a:endParaRPr lang="en-US"/>
           </a:p>
         </p:txBody>
       </p:sp>
@@ -19162,7 +18864,7 @@
         <p:spPr>
           <a:xfrm>
             <a:off x="458788" y="1021215"/>
-            <a:ext cx="8119156" cy="5147356"/>
+            <a:ext cx="8119156" cy="4856345"/>
           </a:xfrm>
           <a:prstGeom prst="rect">
             <a:avLst/>
@@ -19390,7 +19092,7 @@
               <a:buNone/>
             </a:pPr>
             <a:r>
-              <a:rPr lang="en-US" altLang="en-US" sz="2000" b="0" kern="0">
+              <a:rPr lang="en-US" altLang="en-US" sz="2000" b="0" kern="0" dirty="0">
                 <a:solidFill>
                   <a:srgbClr val="008000"/>
                 </a:solidFill>
@@ -19405,27 +19107,57 @@
               <a:buNone/>
             </a:pPr>
             <a:r>
-              <a:rPr lang="en-US" altLang="en-US" sz="2000" b="0" kern="0">
+              <a:rPr lang="en-US" altLang="en-US" sz="2000" b="0" kern="0" dirty="0" err="1">
                 <a:solidFill>
                   <a:srgbClr val="000000"/>
                 </a:solidFill>
                 <a:latin typeface="Consolas" panose="020B0609020204030204" pitchFamily="49" charset="0"/>
                 <a:cs typeface="Consolas" panose="020B0609020204030204" pitchFamily="49" charset="0"/>
               </a:rPr>
-              <a:t>var container = blobClient.GetContainerReference(</a:t>
-            </a:r>
-            <a:r>
-              <a:rPr lang="en-US" altLang="en-US" sz="2000" b="0" kern="0">
-                <a:solidFill>
-                  <a:srgbClr val="A31515"/>
+              <a:t>var</a:t>
+            </a:r>
+            <a:r>
+              <a:rPr lang="en-US" altLang="en-US" sz="2000" b="0" kern="0" dirty="0">
+                <a:solidFill>
+                  <a:srgbClr val="000000"/>
                 </a:solidFill>
                 <a:latin typeface="Consolas" panose="020B0609020204030204" pitchFamily="49" charset="0"/>
                 <a:cs typeface="Consolas" panose="020B0609020204030204" pitchFamily="49" charset="0"/>
               </a:rPr>
-              <a:t>“files"</a:t>
-            </a:r>
-            <a:r>
-              <a:rPr lang="en-US" altLang="en-US" sz="2000" b="0" kern="0">
+              <a:t> container = </a:t>
+            </a:r>
+            <a:r>
+              <a:rPr lang="en-US" altLang="en-US" sz="2000" b="0" kern="0" dirty="0" err="1">
+                <a:solidFill>
+                  <a:srgbClr val="000000"/>
+                </a:solidFill>
+                <a:latin typeface="Consolas" panose="020B0609020204030204" pitchFamily="49" charset="0"/>
+                <a:cs typeface="Consolas" panose="020B0609020204030204" pitchFamily="49" charset="0"/>
+              </a:rPr>
+              <a:t>blobClient.GetContainerReference</a:t>
+            </a:r>
+            <a:r>
+              <a:rPr lang="en-US" altLang="en-US" sz="2000" b="0" kern="0" dirty="0">
+                <a:solidFill>
+                  <a:srgbClr val="000000"/>
+                </a:solidFill>
+                <a:latin typeface="Consolas" panose="020B0609020204030204" pitchFamily="49" charset="0"/>
+                <a:cs typeface="Consolas" panose="020B0609020204030204" pitchFamily="49" charset="0"/>
+              </a:rPr>
+              <a:t>(</a:t>
+            </a:r>
+            <a:r>
+              <a:rPr lang="en-US" altLang="en-US" sz="2000" b="0" kern="0" dirty="0">
+                <a:solidFill>
+                  <a:srgbClr val="A31515"/>
+                </a:solidFill>
+                <a:latin typeface="Consolas" panose="020B0609020204030204" pitchFamily="49" charset="0"/>
+                <a:cs typeface="Consolas" panose="020B0609020204030204" pitchFamily="49" charset="0"/>
+              </a:rPr>
+              <a:t>"files"</a:t>
+            </a:r>
+            <a:r>
+              <a:rPr lang="en-US" altLang="en-US" sz="2000" b="0" kern="0" dirty="0">
                 <a:solidFill>
                   <a:srgbClr val="000000"/>
                 </a:solidFill>
@@ -19440,21 +19172,41 @@
               <a:buNone/>
             </a:pPr>
             <a:r>
-              <a:rPr lang="en-US" altLang="en-US" sz="2000" b="0" kern="0">
+              <a:rPr lang="en-US" altLang="en-US" sz="2000" b="0" kern="0" dirty="0" err="1">
                 <a:solidFill>
                   <a:srgbClr val="000000"/>
                 </a:solidFill>
                 <a:latin typeface="Consolas" panose="020B0609020204030204" pitchFamily="49" charset="0"/>
                 <a:cs typeface="Consolas" panose="020B0609020204030204" pitchFamily="49" charset="0"/>
               </a:rPr>
-              <a:t>container.CreateIfNotExists(); </a:t>
+              <a:t>container.</a:t>
+            </a:r>
+            <a:r>
+              <a:rPr lang="en-US" altLang="en-US" sz="2000" b="0" kern="0" dirty="0" err="1">
+                <a:solidFill>
+                  <a:srgbClr val="002060"/>
+                </a:solidFill>
+                <a:latin typeface="Consolas" panose="020B0609020204030204" pitchFamily="49" charset="0"/>
+                <a:cs typeface="Consolas" panose="020B0609020204030204" pitchFamily="49" charset="0"/>
+              </a:rPr>
+              <a:t>CreateIfNotExists</a:t>
+            </a:r>
+            <a:r>
+              <a:rPr lang="en-US" altLang="en-US" sz="2000" b="0" kern="0" dirty="0">
+                <a:solidFill>
+                  <a:srgbClr val="000000"/>
+                </a:solidFill>
+                <a:latin typeface="Consolas" panose="020B0609020204030204" pitchFamily="49" charset="0"/>
+                <a:cs typeface="Consolas" panose="020B0609020204030204" pitchFamily="49" charset="0"/>
+              </a:rPr>
+              <a:t>(); </a:t>
             </a:r>
           </a:p>
           <a:p>
             <a:pPr marL="0" lvl="0" indent="0">
               <a:buNone/>
             </a:pPr>
-            <a:endParaRPr lang="en-US" altLang="en-US" sz="2000" b="0" kern="0">
+            <a:endParaRPr lang="en-US" altLang="en-US" sz="2000" b="0" kern="0" dirty="0">
               <a:solidFill>
                 <a:srgbClr val="000000"/>
               </a:solidFill>
@@ -19467,7 +19219,7 @@
               <a:buNone/>
             </a:pPr>
             <a:r>
-              <a:rPr lang="en-US" altLang="en-US" sz="2000" b="0" kern="0">
+              <a:rPr lang="en-US" altLang="en-US" sz="2000" b="0" kern="0" dirty="0">
                 <a:solidFill>
                   <a:srgbClr val="008000"/>
                 </a:solidFill>
@@ -19482,67 +19234,157 @@
               <a:buNone/>
             </a:pPr>
             <a:r>
-              <a:rPr lang="en-US" altLang="en-US" sz="2000" b="0" kern="0">
+              <a:rPr lang="en-US" altLang="en-US" sz="2000" b="0" kern="0" dirty="0" err="1">
                 <a:solidFill>
                   <a:srgbClr val="000000"/>
                 </a:solidFill>
                 <a:latin typeface="Consolas" panose="020B0609020204030204" pitchFamily="49" charset="0"/>
                 <a:cs typeface="Consolas" panose="020B0609020204030204" pitchFamily="49" charset="0"/>
               </a:rPr>
-              <a:t>var blobPermissions = </a:t>
-            </a:r>
-            <a:r>
-              <a:rPr lang="en-US" altLang="en-US" sz="2000" b="0" kern="0">
-                <a:solidFill>
-                  <a:srgbClr val="0000FF"/>
+              <a:t>var</a:t>
+            </a:r>
+            <a:r>
+              <a:rPr lang="en-US" altLang="en-US" sz="2000" b="0" kern="0" dirty="0">
+                <a:solidFill>
+                  <a:srgbClr val="000000"/>
                 </a:solidFill>
                 <a:latin typeface="Consolas" panose="020B0609020204030204" pitchFamily="49" charset="0"/>
                 <a:cs typeface="Consolas" panose="020B0609020204030204" pitchFamily="49" charset="0"/>
               </a:rPr>
-              <a:t>new</a:t>
-            </a:r>
-            <a:r>
-              <a:rPr lang="en-US" altLang="en-US" sz="2000" b="0" kern="0">
+              <a:t> </a:t>
+            </a:r>
+            <a:r>
+              <a:rPr lang="en-US" altLang="en-US" sz="2000" b="0" kern="0" dirty="0" err="1">
                 <a:solidFill>
                   <a:srgbClr val="000000"/>
                 </a:solidFill>
                 <a:latin typeface="Consolas" panose="020B0609020204030204" pitchFamily="49" charset="0"/>
                 <a:cs typeface="Consolas" panose="020B0609020204030204" pitchFamily="49" charset="0"/>
               </a:rPr>
-              <a:t> BlobContainerPermissions(); blobPermissions.SharedAccessPolicies.Add(</a:t>
-            </a:r>
-            <a:r>
-              <a:rPr lang="en-US" altLang="en-US" sz="2000" b="0" kern="0">
-                <a:solidFill>
-                  <a:srgbClr val="A31515"/>
+              <a:t>blobPermissions</a:t>
+            </a:r>
+            <a:r>
+              <a:rPr lang="en-US" altLang="en-US" sz="2000" b="0" kern="0" dirty="0">
+                <a:solidFill>
+                  <a:srgbClr val="000000"/>
                 </a:solidFill>
                 <a:latin typeface="Consolas" panose="020B0609020204030204" pitchFamily="49" charset="0"/>
                 <a:cs typeface="Consolas" panose="020B0609020204030204" pitchFamily="49" charset="0"/>
               </a:rPr>
-              <a:t>"mypolicy"</a:t>
-            </a:r>
-            <a:r>
-              <a:rPr lang="en-US" altLang="en-US" sz="2000" b="0" kern="0">
-                <a:solidFill>
-                  <a:srgbClr val="000000"/>
+              <a:t> = </a:t>
+            </a:r>
+            <a:r>
+              <a:rPr lang="en-US" altLang="en-US" sz="2000" b="0" kern="0" dirty="0">
+                <a:solidFill>
+                  <a:srgbClr val="0000FF"/>
                 </a:solidFill>
                 <a:latin typeface="Consolas" panose="020B0609020204030204" pitchFamily="49" charset="0"/>
                 <a:cs typeface="Consolas" panose="020B0609020204030204" pitchFamily="49" charset="0"/>
               </a:rPr>
-              <a:t>, </a:t>
-            </a:r>
-            <a:r>
-              <a:rPr lang="en-US" altLang="en-US" sz="2000" b="0" kern="0">
-                <a:solidFill>
-                  <a:srgbClr val="0000FF"/>
+              <a:t>new</a:t>
+            </a:r>
+            <a:r>
+              <a:rPr lang="en-US" altLang="en-US" sz="2000" b="0" kern="0" dirty="0">
+                <a:solidFill>
+                  <a:srgbClr val="000000"/>
                 </a:solidFill>
                 <a:latin typeface="Consolas" panose="020B0609020204030204" pitchFamily="49" charset="0"/>
                 <a:cs typeface="Consolas" panose="020B0609020204030204" pitchFamily="49" charset="0"/>
               </a:rPr>
+              <a:t> </a:t>
+            </a:r>
+            <a:r>
+              <a:rPr lang="en-US" altLang="en-US" sz="2000" b="0" kern="0" dirty="0" err="1">
+                <a:solidFill>
+                  <a:srgbClr val="000000"/>
+                </a:solidFill>
+                <a:latin typeface="Consolas" panose="020B0609020204030204" pitchFamily="49" charset="0"/>
+                <a:cs typeface="Consolas" panose="020B0609020204030204" pitchFamily="49" charset="0"/>
+              </a:rPr>
+              <a:t>BlobContainerPermissions</a:t>
+            </a:r>
+            <a:r>
+              <a:rPr lang="en-US" altLang="en-US" sz="2000" b="0" kern="0" dirty="0">
+                <a:solidFill>
+                  <a:srgbClr val="000000"/>
+                </a:solidFill>
+                <a:latin typeface="Consolas" panose="020B0609020204030204" pitchFamily="49" charset="0"/>
+                <a:cs typeface="Consolas" panose="020B0609020204030204" pitchFamily="49" charset="0"/>
+              </a:rPr>
+              <a:t>(); </a:t>
+            </a:r>
+            <a:r>
+              <a:rPr lang="en-US" altLang="en-US" sz="2000" b="0" kern="0" dirty="0" err="1">
+                <a:solidFill>
+                  <a:srgbClr val="000000"/>
+                </a:solidFill>
+                <a:latin typeface="Consolas" panose="020B0609020204030204" pitchFamily="49" charset="0"/>
+                <a:cs typeface="Consolas" panose="020B0609020204030204" pitchFamily="49" charset="0"/>
+              </a:rPr>
+              <a:t>blobPermissions.SharedAccessPolicies.Add</a:t>
+            </a:r>
+            <a:r>
+              <a:rPr lang="en-US" altLang="en-US" sz="2000" b="0" kern="0" dirty="0">
+                <a:solidFill>
+                  <a:srgbClr val="000000"/>
+                </a:solidFill>
+                <a:latin typeface="Consolas" panose="020B0609020204030204" pitchFamily="49" charset="0"/>
+                <a:cs typeface="Consolas" panose="020B0609020204030204" pitchFamily="49" charset="0"/>
+              </a:rPr>
+              <a:t>(</a:t>
+            </a:r>
+            <a:r>
+              <a:rPr lang="en-US" altLang="en-US" sz="2000" b="0" kern="0" dirty="0">
+                <a:solidFill>
+                  <a:srgbClr val="A31515"/>
+                </a:solidFill>
+                <a:latin typeface="Consolas" panose="020B0609020204030204" pitchFamily="49" charset="0"/>
+                <a:cs typeface="Consolas" panose="020B0609020204030204" pitchFamily="49" charset="0"/>
+              </a:rPr>
+              <a:t>"</a:t>
+            </a:r>
+            <a:r>
+              <a:rPr lang="en-US" altLang="en-US" sz="2000" b="0" kern="0" dirty="0" err="1">
+                <a:solidFill>
+                  <a:srgbClr val="A31515"/>
+                </a:solidFill>
+                <a:latin typeface="Consolas" panose="020B0609020204030204" pitchFamily="49" charset="0"/>
+                <a:cs typeface="Consolas" panose="020B0609020204030204" pitchFamily="49" charset="0"/>
+              </a:rPr>
+              <a:t>mypolicy</a:t>
+            </a:r>
+            <a:r>
+              <a:rPr lang="en-US" altLang="en-US" sz="2000" b="0" kern="0" dirty="0">
+                <a:solidFill>
+                  <a:srgbClr val="A31515"/>
+                </a:solidFill>
+                <a:latin typeface="Consolas" panose="020B0609020204030204" pitchFamily="49" charset="0"/>
+                <a:cs typeface="Consolas" panose="020B0609020204030204" pitchFamily="49" charset="0"/>
+              </a:rPr>
+              <a:t>"</a:t>
+            </a:r>
+            <a:r>
+              <a:rPr lang="en-US" altLang="en-US" sz="2000" b="0" kern="0" dirty="0">
+                <a:solidFill>
+                  <a:srgbClr val="000000"/>
+                </a:solidFill>
+                <a:latin typeface="Consolas" panose="020B0609020204030204" pitchFamily="49" charset="0"/>
+                <a:cs typeface="Consolas" panose="020B0609020204030204" pitchFamily="49" charset="0"/>
+              </a:rPr>
+              <a:t>, </a:t>
+            </a:r>
+            <a:r>
+              <a:rPr lang="en-US" altLang="en-US" sz="2000" b="0" kern="0" dirty="0">
+                <a:solidFill>
+                  <a:srgbClr val="0000FF"/>
+                </a:solidFill>
+                <a:latin typeface="Consolas" panose="020B0609020204030204" pitchFamily="49" charset="0"/>
+                <a:cs typeface="Consolas" panose="020B0609020204030204" pitchFamily="49" charset="0"/>
+              </a:rPr>
               <a:t>new</a:t>
             </a:r>
             <a:r>
-              <a:rPr lang="en-US" altLang="en-US" sz="2000" b="0" kern="0">
+              <a:rPr lang="en-US" altLang="en-US" sz="2000" b="0" kern="0" dirty="0">
                 <a:solidFill>
                   <a:srgbClr val="000000"/>
                 </a:solidFill>
@@ -19557,16 +19399,36 @@
               <a:buNone/>
             </a:pPr>
             <a:r>
-              <a:rPr lang="en-US" altLang="en-US" sz="2000" b="0" kern="0">
+              <a:rPr lang="en-US" altLang="en-US" sz="2000" b="0" kern="0" dirty="0">
                 <a:solidFill>
                   <a:srgbClr val="000000"/>
                 </a:solidFill>
                 <a:latin typeface="Consolas" panose="020B0609020204030204" pitchFamily="49" charset="0"/>
                 <a:cs typeface="Consolas" panose="020B0609020204030204" pitchFamily="49" charset="0"/>
               </a:rPr>
-              <a:t>     SharedAccessBlobPolicy() { </a:t>
-            </a:r>
-            <a:endParaRPr lang="en-US" altLang="en-US" sz="2000" b="0" kern="0">
+              <a:t>     </a:t>
+            </a:r>
+            <a:r>
+              <a:rPr lang="en-US" altLang="en-US" sz="2000" b="0" kern="0" dirty="0" err="1">
+                <a:solidFill>
+                  <a:srgbClr val="000000"/>
+                </a:solidFill>
+                <a:latin typeface="Consolas" panose="020B0609020204030204" pitchFamily="49" charset="0"/>
+                <a:cs typeface="Consolas" panose="020B0609020204030204" pitchFamily="49" charset="0"/>
+              </a:rPr>
+              <a:t>SharedAccessBlobPolicy</a:t>
+            </a:r>
+            <a:r>
+              <a:rPr lang="en-US" altLang="en-US" sz="2000" b="0" kern="0" dirty="0">
+                <a:solidFill>
+                  <a:srgbClr val="000000"/>
+                </a:solidFill>
+                <a:latin typeface="Consolas" panose="020B0609020204030204" pitchFamily="49" charset="0"/>
+                <a:cs typeface="Consolas" panose="020B0609020204030204" pitchFamily="49" charset="0"/>
+              </a:rPr>
+              <a:t>() { </a:t>
+            </a:r>
+            <a:endParaRPr lang="en-US" altLang="en-US" sz="2000" b="0" kern="0" dirty="0">
               <a:solidFill>
                 <a:srgbClr val="008000"/>
               </a:solidFill>
@@ -19579,14 +19441,54 @@
               <a:buNone/>
             </a:pPr>
             <a:r>
-              <a:rPr lang="en-US" altLang="en-US" sz="2000" b="0" kern="0">
+              <a:rPr lang="en-US" altLang="en-US" sz="2000" b="0" kern="0" dirty="0">
                 <a:solidFill>
                   <a:srgbClr val="000000"/>
                 </a:solidFill>
                 <a:latin typeface="Consolas" panose="020B0609020204030204" pitchFamily="49" charset="0"/>
                 <a:cs typeface="Consolas" panose="020B0609020204030204" pitchFamily="49" charset="0"/>
               </a:rPr>
-              <a:t>        SharedAccessExpiryTime =        DateTime.UtcNow.AddHours(10),</a:t>
+              <a:t>        </a:t>
+            </a:r>
+            <a:r>
+              <a:rPr lang="en-US" altLang="en-US" sz="2000" b="0" kern="0" dirty="0" err="1">
+                <a:solidFill>
+                  <a:srgbClr val="000000"/>
+                </a:solidFill>
+                <a:latin typeface="Consolas" panose="020B0609020204030204" pitchFamily="49" charset="0"/>
+                <a:cs typeface="Consolas" panose="020B0609020204030204" pitchFamily="49" charset="0"/>
+              </a:rPr>
+              <a:t>SharedAccessExpiryTime</a:t>
+            </a:r>
+            <a:r>
+              <a:rPr lang="en-US" altLang="en-US" sz="2000" b="0" kern="0" dirty="0">
+                <a:solidFill>
+                  <a:srgbClr val="000000"/>
+                </a:solidFill>
+                <a:latin typeface="Consolas" panose="020B0609020204030204" pitchFamily="49" charset="0"/>
+                <a:cs typeface="Consolas" panose="020B0609020204030204" pitchFamily="49" charset="0"/>
+              </a:rPr>
+              <a:t> =        </a:t>
+            </a:r>
+            <a:r>
+              <a:rPr lang="en-US" altLang="en-US" sz="2000" b="0" kern="0" dirty="0" err="1">
+                <a:solidFill>
+                  <a:srgbClr val="000000"/>
+                </a:solidFill>
+                <a:latin typeface="Consolas" panose="020B0609020204030204" pitchFamily="49" charset="0"/>
+                <a:cs typeface="Consolas" panose="020B0609020204030204" pitchFamily="49" charset="0"/>
+              </a:rPr>
+              <a:t>DateTime.UtcNow.AddHours</a:t>
+            </a:r>
+            <a:r>
+              <a:rPr lang="en-US" altLang="en-US" sz="2000" b="0" kern="0" dirty="0">
+                <a:solidFill>
+                  <a:srgbClr val="000000"/>
+                </a:solidFill>
+                <a:latin typeface="Consolas" panose="020B0609020204030204" pitchFamily="49" charset="0"/>
+                <a:cs typeface="Consolas" panose="020B0609020204030204" pitchFamily="49" charset="0"/>
+              </a:rPr>
+              <a:t>(10),</a:t>
             </a:r>
           </a:p>
           <a:p>
@@ -19594,14 +19496,34 @@
               <a:buNone/>
             </a:pPr>
             <a:r>
-              <a:rPr lang="en-US" altLang="en-US" sz="2000" b="0" kern="0">
+              <a:rPr lang="en-US" altLang="en-US" sz="2000" b="0" kern="0" dirty="0">
                 <a:solidFill>
                   <a:srgbClr val="000000"/>
                 </a:solidFill>
                 <a:latin typeface="Consolas" panose="020B0609020204030204" pitchFamily="49" charset="0"/>
                 <a:cs typeface="Consolas" panose="020B0609020204030204" pitchFamily="49" charset="0"/>
               </a:rPr>
-              <a:t>        Permissions = SharedAccessBlobPermissions.Read </a:t>
+              <a:t>        Permissions = </a:t>
+            </a:r>
+            <a:r>
+              <a:rPr lang="en-US" altLang="en-US" sz="2000" b="0" kern="0" dirty="0" err="1">
+                <a:solidFill>
+                  <a:srgbClr val="000000"/>
+                </a:solidFill>
+                <a:latin typeface="Consolas" panose="020B0609020204030204" pitchFamily="49" charset="0"/>
+                <a:cs typeface="Consolas" panose="020B0609020204030204" pitchFamily="49" charset="0"/>
+              </a:rPr>
+              <a:t>SharedAccessBlobPermissions.Read</a:t>
+            </a:r>
+            <a:r>
+              <a:rPr lang="en-US" altLang="en-US" sz="2000" b="0" kern="0" dirty="0">
+                <a:solidFill>
+                  <a:srgbClr val="000000"/>
+                </a:solidFill>
+                <a:latin typeface="Consolas" panose="020B0609020204030204" pitchFamily="49" charset="0"/>
+                <a:cs typeface="Consolas" panose="020B0609020204030204" pitchFamily="49" charset="0"/>
+              </a:rPr>
+              <a:t> </a:t>
             </a:r>
           </a:p>
           <a:p>
@@ -19609,7 +19531,7 @@
               <a:buNone/>
             </a:pPr>
             <a:r>
-              <a:rPr lang="en-US" altLang="en-US" sz="2000" b="0" kern="0">
+              <a:rPr lang="en-US" altLang="en-US" sz="2000" b="0" kern="0" dirty="0">
                 <a:solidFill>
                   <a:srgbClr val="000000"/>
                 </a:solidFill>
@@ -19624,7 +19546,7 @@
               <a:buNone/>
             </a:pPr>
             <a:r>
-              <a:rPr lang="en-US" altLang="en-US" sz="2000" b="0" kern="0">
+              <a:rPr lang="en-US" altLang="en-US" sz="2000" b="0" kern="0" dirty="0">
                 <a:solidFill>
                   <a:srgbClr val="000000"/>
                 </a:solidFill>
@@ -19638,15 +19560,77 @@
             <a:pPr marL="0" lvl="0" indent="0">
               <a:buNone/>
             </a:pPr>
-            <a:r>
-              <a:rPr lang="en-US" altLang="en-US" sz="2000" b="0" kern="0">
+            <a:endParaRPr lang="en-US" altLang="en-US" sz="1600" b="0" kern="0" dirty="0">
+              <a:solidFill>
+                <a:srgbClr val="000000"/>
+              </a:solidFill>
+              <a:latin typeface="Consolas" panose="020B0609020204030204" pitchFamily="49" charset="0"/>
+              <a:cs typeface="Consolas" panose="020B0609020204030204" pitchFamily="49" charset="0"/>
+            </a:endParaRPr>
+          </a:p>
+          <a:p>
+            <a:pPr marL="0" lvl="0" indent="0">
+              <a:buNone/>
+            </a:pPr>
+            <a:r>
+              <a:rPr lang="en-US" altLang="en-US" sz="1600" b="0" kern="0" dirty="0" err="1">
                 <a:solidFill>
                   <a:srgbClr val="000000"/>
                 </a:solidFill>
                 <a:latin typeface="Consolas" panose="020B0609020204030204" pitchFamily="49" charset="0"/>
                 <a:cs typeface="Consolas" panose="020B0609020204030204" pitchFamily="49" charset="0"/>
               </a:rPr>
-              <a:t>blobPermissions.PublicAccess = BlobContainerPublicAccessType.Off; </a:t>
+              <a:t>blobPermissions.PublicAccess</a:t>
+            </a:r>
+            <a:r>
+              <a:rPr lang="en-US" altLang="en-US" sz="1600" b="0" kern="0" dirty="0">
+                <a:solidFill>
+                  <a:srgbClr val="000000"/>
+                </a:solidFill>
+                <a:latin typeface="Consolas" panose="020B0609020204030204" pitchFamily="49" charset="0"/>
+                <a:cs typeface="Consolas" panose="020B0609020204030204" pitchFamily="49" charset="0"/>
+              </a:rPr>
+              <a:t> </a:t>
+            </a:r>
+            <a:r>
+              <a:rPr lang="en-US" altLang="en-US" sz="2000" b="0" kern="0" dirty="0">
+                <a:solidFill>
+                  <a:srgbClr val="000000"/>
+                </a:solidFill>
+                <a:latin typeface="Consolas" panose="020B0609020204030204" pitchFamily="49" charset="0"/>
+                <a:cs typeface="Consolas" panose="020B0609020204030204" pitchFamily="49" charset="0"/>
+              </a:rPr>
+              <a:t>= </a:t>
+            </a:r>
+            <a:r>
+              <a:rPr lang="en-US" altLang="en-US" sz="1400" b="0" kern="0" dirty="0" err="1">
+                <a:solidFill>
+                  <a:srgbClr val="000000"/>
+                </a:solidFill>
+                <a:latin typeface="Consolas" panose="020B0609020204030204" pitchFamily="49" charset="0"/>
+                <a:cs typeface="Consolas" panose="020B0609020204030204" pitchFamily="49" charset="0"/>
+              </a:rPr>
+              <a:t>BlobContainerPublicAccessType.</a:t>
+            </a:r>
+            <a:r>
+              <a:rPr lang="en-US" altLang="en-US" sz="1400" b="0" kern="0" dirty="0" err="1">
+                <a:solidFill>
+                  <a:srgbClr val="FF0000"/>
+                </a:solidFill>
+                <a:latin typeface="Consolas" panose="020B0609020204030204" pitchFamily="49" charset="0"/>
+                <a:cs typeface="Consolas" panose="020B0609020204030204" pitchFamily="49" charset="0"/>
+              </a:rPr>
+              <a:t>Off</a:t>
+            </a:r>
+            <a:r>
+              <a:rPr lang="en-US" altLang="en-US" sz="1400" b="0" kern="0" dirty="0">
+                <a:solidFill>
+                  <a:srgbClr val="000000"/>
+                </a:solidFill>
+                <a:latin typeface="Consolas" panose="020B0609020204030204" pitchFamily="49" charset="0"/>
+                <a:cs typeface="Consolas" panose="020B0609020204030204" pitchFamily="49" charset="0"/>
+              </a:rPr>
+              <a:t>; </a:t>
             </a:r>
             <a:endParaRPr lang="en-US" sz="1600" b="0" kern="0" dirty="0">
               <a:solidFill>
@@ -19707,7 +19691,6 @@
               <a:rPr lang="en-US"/>
               <a:t>Generating Shared Access Signatures from Policies</a:t>
             </a:r>
-            <a:endParaRPr lang="en-US"/>
           </a:p>
         </p:txBody>
       </p:sp>
@@ -19950,7 +19933,7 @@
               <a:buNone/>
             </a:pPr>
             <a:r>
-              <a:rPr lang="en-US" altLang="en-US" sz="2000" b="0" kern="0">
+              <a:rPr lang="en-US" altLang="en-US" sz="2000" b="0" kern="0" dirty="0">
                 <a:solidFill>
                   <a:srgbClr val="008000"/>
                 </a:solidFill>
@@ -19960,21 +19943,61 @@
               <a:t>// Set the permission policy on the container.</a:t>
             </a:r>
             <a:r>
-              <a:rPr lang="en-US" altLang="en-US" sz="2000" b="0" kern="0">
+              <a:rPr lang="en-US" altLang="en-US" sz="2000" b="0" kern="0" dirty="0">
                 <a:solidFill>
                   <a:srgbClr val="000000"/>
                 </a:solidFill>
                 <a:latin typeface="Consolas" panose="020B0609020204030204" pitchFamily="49" charset="0"/>
                 <a:cs typeface="Consolas" panose="020B0609020204030204" pitchFamily="49" charset="0"/>
               </a:rPr>
-              <a:t> container.SetPermissions(blobPermissions); </a:t>
+              <a:t> </a:t>
+            </a:r>
+            <a:r>
+              <a:rPr lang="en-US" altLang="en-US" sz="2000" b="0" kern="0" dirty="0" err="1">
+                <a:solidFill>
+                  <a:srgbClr val="000000"/>
+                </a:solidFill>
+                <a:latin typeface="Consolas" panose="020B0609020204030204" pitchFamily="49" charset="0"/>
+                <a:cs typeface="Consolas" panose="020B0609020204030204" pitchFamily="49" charset="0"/>
+              </a:rPr>
+              <a:t>container.SetPermissions</a:t>
+            </a:r>
+            <a:r>
+              <a:rPr lang="en-US" altLang="en-US" sz="2000" b="0" kern="0" dirty="0">
+                <a:solidFill>
+                  <a:srgbClr val="000000"/>
+                </a:solidFill>
+                <a:latin typeface="Consolas" panose="020B0609020204030204" pitchFamily="49" charset="0"/>
+                <a:cs typeface="Consolas" panose="020B0609020204030204" pitchFamily="49" charset="0"/>
+              </a:rPr>
+              <a:t>(</a:t>
+            </a:r>
+            <a:r>
+              <a:rPr lang="en-US" altLang="en-US" sz="2000" b="0" kern="0" dirty="0" err="1">
+                <a:solidFill>
+                  <a:srgbClr val="000000"/>
+                </a:solidFill>
+                <a:latin typeface="Consolas" panose="020B0609020204030204" pitchFamily="49" charset="0"/>
+                <a:cs typeface="Consolas" panose="020B0609020204030204" pitchFamily="49" charset="0"/>
+              </a:rPr>
+              <a:t>blobPermissions</a:t>
+            </a:r>
+            <a:r>
+              <a:rPr lang="en-US" altLang="en-US" sz="2000" b="0" kern="0" dirty="0">
+                <a:solidFill>
+                  <a:srgbClr val="000000"/>
+                </a:solidFill>
+                <a:latin typeface="Consolas" panose="020B0609020204030204" pitchFamily="49" charset="0"/>
+                <a:cs typeface="Consolas" panose="020B0609020204030204" pitchFamily="49" charset="0"/>
+              </a:rPr>
+              <a:t>); </a:t>
             </a:r>
           </a:p>
           <a:p>
             <a:pPr marL="0" lvl="0" indent="0">
               <a:buNone/>
             </a:pPr>
-            <a:endParaRPr lang="en-US" altLang="en-US" sz="2000" b="0" kern="0">
+            <a:endParaRPr lang="en-US" altLang="en-US" sz="2000" b="0" kern="0" dirty="0">
               <a:solidFill>
                 <a:srgbClr val="000000"/>
               </a:solidFill>
@@ -19987,7 +20010,7 @@
               <a:buNone/>
             </a:pPr>
             <a:r>
-              <a:rPr lang="en-US" altLang="en-US" sz="2000" b="0" kern="0">
+              <a:rPr lang="en-US" altLang="en-US" sz="2000" b="0" kern="0" dirty="0">
                 <a:solidFill>
                   <a:srgbClr val="008000"/>
                 </a:solidFill>
@@ -20002,27 +20025,57 @@
               <a:buNone/>
             </a:pPr>
             <a:r>
-              <a:rPr lang="en-US" altLang="en-US" sz="2000" b="0" kern="0">
+              <a:rPr lang="en-US" altLang="en-US" sz="2000" b="0" kern="0" dirty="0" err="1">
                 <a:solidFill>
                   <a:srgbClr val="000000"/>
                 </a:solidFill>
                 <a:latin typeface="Consolas" panose="020B0609020204030204" pitchFamily="49" charset="0"/>
                 <a:cs typeface="Consolas" panose="020B0609020204030204" pitchFamily="49" charset="0"/>
               </a:rPr>
-              <a:t>var container = blobClient.GetContainerReference(</a:t>
-            </a:r>
-            <a:r>
-              <a:rPr lang="en-US" altLang="en-US" sz="2000" b="0" kern="0">
-                <a:solidFill>
-                  <a:srgbClr val="A31515"/>
+              <a:t>var</a:t>
+            </a:r>
+            <a:r>
+              <a:rPr lang="en-US" altLang="en-US" sz="2000" b="0" kern="0" dirty="0">
+                <a:solidFill>
+                  <a:srgbClr val="000000"/>
                 </a:solidFill>
                 <a:latin typeface="Consolas" panose="020B0609020204030204" pitchFamily="49" charset="0"/>
                 <a:cs typeface="Consolas" panose="020B0609020204030204" pitchFamily="49" charset="0"/>
               </a:rPr>
-              <a:t>“files"</a:t>
-            </a:r>
-            <a:r>
-              <a:rPr lang="en-US" altLang="en-US" sz="2000" b="0" kern="0">
+              <a:t> container = </a:t>
+            </a:r>
+            <a:r>
+              <a:rPr lang="en-US" altLang="en-US" sz="2000" b="0" kern="0" dirty="0" err="1">
+                <a:solidFill>
+                  <a:srgbClr val="000000"/>
+                </a:solidFill>
+                <a:latin typeface="Consolas" panose="020B0609020204030204" pitchFamily="49" charset="0"/>
+                <a:cs typeface="Consolas" panose="020B0609020204030204" pitchFamily="49" charset="0"/>
+              </a:rPr>
+              <a:t>blobClient.GetContainerReference</a:t>
+            </a:r>
+            <a:r>
+              <a:rPr lang="en-US" altLang="en-US" sz="2000" b="0" kern="0" dirty="0">
+                <a:solidFill>
+                  <a:srgbClr val="000000"/>
+                </a:solidFill>
+                <a:latin typeface="Consolas" panose="020B0609020204030204" pitchFamily="49" charset="0"/>
+                <a:cs typeface="Consolas" panose="020B0609020204030204" pitchFamily="49" charset="0"/>
+              </a:rPr>
+              <a:t>(</a:t>
+            </a:r>
+            <a:r>
+              <a:rPr lang="en-US" altLang="en-US" sz="2000" b="0" kern="0" dirty="0">
+                <a:solidFill>
+                  <a:srgbClr val="A31515"/>
+                </a:solidFill>
+                <a:latin typeface="Consolas" panose="020B0609020204030204" pitchFamily="49" charset="0"/>
+                <a:cs typeface="Consolas" panose="020B0609020204030204" pitchFamily="49" charset="0"/>
+              </a:rPr>
+              <a:t>"files"</a:t>
+            </a:r>
+            <a:r>
+              <a:rPr lang="en-US" altLang="en-US" sz="2000" b="0" kern="0" dirty="0">
                 <a:solidFill>
                   <a:srgbClr val="000000"/>
                 </a:solidFill>
@@ -20037,21 +20090,31 @@
               <a:buNone/>
             </a:pPr>
             <a:r>
-              <a:rPr lang="en-US" altLang="en-US" sz="2000" b="0" kern="0">
+              <a:rPr lang="en-US" altLang="en-US" sz="2000" b="0" kern="0" dirty="0" err="1">
                 <a:solidFill>
                   <a:srgbClr val="000000"/>
                 </a:solidFill>
                 <a:latin typeface="Consolas" panose="020B0609020204030204" pitchFamily="49" charset="0"/>
                 <a:cs typeface="Consolas" panose="020B0609020204030204" pitchFamily="49" charset="0"/>
               </a:rPr>
-              <a:t>container.CreateIfNotExists(); </a:t>
+              <a:t>container.CreateIfNotExists</a:t>
+            </a:r>
+            <a:r>
+              <a:rPr lang="en-US" altLang="en-US" sz="2000" b="0" kern="0" dirty="0">
+                <a:solidFill>
+                  <a:srgbClr val="000000"/>
+                </a:solidFill>
+                <a:latin typeface="Consolas" panose="020B0609020204030204" pitchFamily="49" charset="0"/>
+                <a:cs typeface="Consolas" panose="020B0609020204030204" pitchFamily="49" charset="0"/>
+              </a:rPr>
+              <a:t>(); </a:t>
             </a:r>
           </a:p>
           <a:p>
             <a:pPr marL="0" lvl="0" indent="0">
               <a:buNone/>
             </a:pPr>
-            <a:endParaRPr lang="en-US" altLang="en-US" sz="2000" b="0" kern="0">
+            <a:endParaRPr lang="en-US" altLang="en-US" sz="2000" b="0" kern="0" dirty="0">
               <a:solidFill>
                 <a:srgbClr val="008000"/>
               </a:solidFill>
@@ -20064,7 +20127,7 @@
               <a:buNone/>
             </a:pPr>
             <a:r>
-              <a:rPr lang="en-US" altLang="en-US" sz="2000" b="0" kern="0">
+              <a:rPr lang="en-US" altLang="en-US" sz="2000" b="0" kern="0" dirty="0">
                 <a:solidFill>
                   <a:srgbClr val="008000"/>
                 </a:solidFill>
@@ -20074,7 +20137,7 @@
               <a:t>// Get the shared access signature to share with users.</a:t>
             </a:r>
             <a:r>
-              <a:rPr lang="en-US" altLang="en-US" sz="2000" b="0" kern="0">
+              <a:rPr lang="en-US" altLang="en-US" sz="2000" b="0" kern="0" dirty="0">
                 <a:solidFill>
                   <a:srgbClr val="000000"/>
                 </a:solidFill>
@@ -20089,7 +20152,7 @@
               <a:buNone/>
             </a:pPr>
             <a:r>
-              <a:rPr lang="en-US" altLang="en-US" sz="2000" b="0" kern="0">
+              <a:rPr lang="en-US" altLang="en-US" sz="2000" b="0" kern="0" dirty="0">
                 <a:solidFill>
                   <a:srgbClr val="0000FF"/>
                 </a:solidFill>
@@ -20099,14 +20162,54 @@
               <a:t>string</a:t>
             </a:r>
             <a:r>
-              <a:rPr lang="en-US" altLang="en-US" sz="2000" b="0" kern="0">
+              <a:rPr lang="en-US" altLang="en-US" sz="2000" b="0" kern="0" dirty="0">
                 <a:solidFill>
                   <a:srgbClr val="000000"/>
                 </a:solidFill>
                 <a:latin typeface="Consolas" panose="020B0609020204030204" pitchFamily="49" charset="0"/>
                 <a:cs typeface="Consolas" panose="020B0609020204030204" pitchFamily="49" charset="0"/>
               </a:rPr>
-              <a:t> sasToken = container.GetSharedAccessSignature(</a:t>
+              <a:t> </a:t>
+            </a:r>
+            <a:r>
+              <a:rPr lang="en-US" altLang="en-US" sz="2000" b="0" kern="0" dirty="0" err="1">
+                <a:solidFill>
+                  <a:srgbClr val="000000"/>
+                </a:solidFill>
+                <a:latin typeface="Consolas" panose="020B0609020204030204" pitchFamily="49" charset="0"/>
+                <a:cs typeface="Consolas" panose="020B0609020204030204" pitchFamily="49" charset="0"/>
+              </a:rPr>
+              <a:t>sasToken</a:t>
+            </a:r>
+            <a:r>
+              <a:rPr lang="en-US" altLang="en-US" sz="2000" b="0" kern="0" dirty="0">
+                <a:solidFill>
+                  <a:srgbClr val="000000"/>
+                </a:solidFill>
+                <a:latin typeface="Consolas" panose="020B0609020204030204" pitchFamily="49" charset="0"/>
+                <a:cs typeface="Consolas" panose="020B0609020204030204" pitchFamily="49" charset="0"/>
+              </a:rPr>
+              <a:t> = </a:t>
+            </a:r>
+            <a:r>
+              <a:rPr lang="en-US" altLang="en-US" sz="2000" b="0" kern="0" dirty="0" err="1">
+                <a:solidFill>
+                  <a:srgbClr val="000000"/>
+                </a:solidFill>
+                <a:latin typeface="Consolas" panose="020B0609020204030204" pitchFamily="49" charset="0"/>
+                <a:cs typeface="Consolas" panose="020B0609020204030204" pitchFamily="49" charset="0"/>
+              </a:rPr>
+              <a:t>container.GetSharedAccessSignature</a:t>
+            </a:r>
+            <a:r>
+              <a:rPr lang="en-US" altLang="en-US" sz="2000" b="0" kern="0" dirty="0">
+                <a:solidFill>
+                  <a:srgbClr val="000000"/>
+                </a:solidFill>
+                <a:latin typeface="Consolas" panose="020B0609020204030204" pitchFamily="49" charset="0"/>
+                <a:cs typeface="Consolas" panose="020B0609020204030204" pitchFamily="49" charset="0"/>
+              </a:rPr>
+              <a:t>(</a:t>
             </a:r>
           </a:p>
           <a:p>
@@ -20114,7 +20217,7 @@
               <a:buNone/>
             </a:pPr>
             <a:r>
-              <a:rPr lang="en-US" altLang="en-US" sz="2000" b="0" kern="0">
+              <a:rPr lang="en-US" altLang="en-US" sz="2000" b="0" kern="0" dirty="0">
                 <a:solidFill>
                   <a:srgbClr val="000000"/>
                 </a:solidFill>
@@ -20124,7 +20227,7 @@
               <a:t>     </a:t>
             </a:r>
             <a:r>
-              <a:rPr lang="en-US" altLang="en-US" sz="2000" b="0" kern="0">
+              <a:rPr lang="en-US" altLang="en-US" sz="2000" b="0" kern="0" dirty="0">
                 <a:solidFill>
                   <a:srgbClr val="0000FF"/>
                 </a:solidFill>
@@ -20134,14 +20237,64 @@
               <a:t>new</a:t>
             </a:r>
             <a:r>
-              <a:rPr lang="en-US" altLang="en-US" sz="2000" b="0" kern="0">
+              <a:rPr lang="en-US" altLang="en-US" sz="2000" b="0" kern="0" dirty="0">
                 <a:solidFill>
                   <a:srgbClr val="000000"/>
                 </a:solidFill>
                 <a:latin typeface="Consolas" panose="020B0609020204030204" pitchFamily="49" charset="0"/>
                 <a:cs typeface="Consolas" panose="020B0609020204030204" pitchFamily="49" charset="0"/>
               </a:rPr>
-              <a:t> SharedAccessBlobPolicy(), </a:t>
+              <a:t> </a:t>
+            </a:r>
+            <a:r>
+              <a:rPr lang="en-US" altLang="en-US" sz="2000" b="0" kern="0" dirty="0" err="1">
+                <a:solidFill>
+                  <a:srgbClr val="000000"/>
+                </a:solidFill>
+                <a:latin typeface="Consolas" panose="020B0609020204030204" pitchFamily="49" charset="0"/>
+                <a:cs typeface="Consolas" panose="020B0609020204030204" pitchFamily="49" charset="0"/>
+              </a:rPr>
+              <a:t>SharedAccessBlobPolicy</a:t>
+            </a:r>
+            <a:r>
+              <a:rPr lang="en-US" altLang="en-US" sz="2000" b="0" kern="0" dirty="0">
+                <a:solidFill>
+                  <a:srgbClr val="000000"/>
+                </a:solidFill>
+                <a:latin typeface="Consolas" panose="020B0609020204030204" pitchFamily="49" charset="0"/>
+                <a:cs typeface="Consolas" panose="020B0609020204030204" pitchFamily="49" charset="0"/>
+              </a:rPr>
+              <a:t>(),</a:t>
+            </a:r>
+            <a:r>
+              <a:rPr lang="en-US" altLang="en-US" sz="1400" b="0" kern="0" dirty="0">
+                <a:solidFill>
+                  <a:srgbClr val="A31515"/>
+                </a:solidFill>
+                <a:latin typeface="Consolas" panose="020B0609020204030204" pitchFamily="49" charset="0"/>
+                <a:cs typeface="Consolas" panose="020B0609020204030204" pitchFamily="49" charset="0"/>
+              </a:rPr>
+              <a:t>"</a:t>
+            </a:r>
+            <a:r>
+              <a:rPr lang="en-US" altLang="en-US" sz="1400" b="0" kern="0" dirty="0" err="1">
+                <a:solidFill>
+                  <a:srgbClr val="A31515"/>
+                </a:solidFill>
+                <a:latin typeface="Consolas" panose="020B0609020204030204" pitchFamily="49" charset="0"/>
+                <a:cs typeface="Consolas" panose="020B0609020204030204" pitchFamily="49" charset="0"/>
+              </a:rPr>
+              <a:t>mypolicy</a:t>
+            </a:r>
+            <a:r>
+              <a:rPr lang="en-US" altLang="en-US" sz="1400" b="0" kern="0" dirty="0">
+                <a:solidFill>
+                  <a:srgbClr val="A31515"/>
+                </a:solidFill>
+                <a:latin typeface="Consolas" panose="020B0609020204030204" pitchFamily="49" charset="0"/>
+                <a:cs typeface="Consolas" panose="020B0609020204030204" pitchFamily="49" charset="0"/>
+              </a:rPr>
+              <a:t>"</a:t>
             </a:r>
           </a:p>
           <a:p>
@@ -20149,32 +20302,7 @@
               <a:buNone/>
             </a:pPr>
             <a:r>
-              <a:rPr lang="en-US" altLang="en-US" sz="2000" b="0" kern="0">
-                <a:solidFill>
-                  <a:srgbClr val="000000"/>
-                </a:solidFill>
-                <a:latin typeface="Consolas" panose="020B0609020204030204" pitchFamily="49" charset="0"/>
-                <a:cs typeface="Consolas" panose="020B0609020204030204" pitchFamily="49" charset="0"/>
-              </a:rPr>
-              <a:t>     </a:t>
-            </a:r>
-            <a:r>
-              <a:rPr lang="en-US" altLang="en-US" sz="2000" b="0" kern="0">
-                <a:solidFill>
-                  <a:srgbClr val="A31515"/>
-                </a:solidFill>
-                <a:latin typeface="Consolas" panose="020B0609020204030204" pitchFamily="49" charset="0"/>
-                <a:cs typeface="Consolas" panose="020B0609020204030204" pitchFamily="49" charset="0"/>
-              </a:rPr>
-              <a:t>"mypolicy“</a:t>
-            </a:r>
-          </a:p>
-          <a:p>
-            <a:pPr marL="0" lvl="0" indent="0">
-              <a:buNone/>
-            </a:pPr>
-            <a:r>
-              <a:rPr lang="en-US" altLang="en-US" sz="2000" b="0" kern="0">
+              <a:rPr lang="en-US" altLang="en-US" sz="2000" b="0" kern="0" dirty="0">
                 <a:solidFill>
                   <a:srgbClr val="000000"/>
                 </a:solidFill>
@@ -20245,7 +20373,6 @@
               <a:rPr lang="en-US"/>
               <a:t>Lesson 3: Configuring Azure Storage Accounts</a:t>
             </a:r>
-            <a:endParaRPr lang="en-US"/>
           </a:p>
         </p:txBody>
       </p:sp>
@@ -20269,7 +20396,6 @@
               <a:t>Content Delivery Network
 Cross-Origin Resource Sharing</a:t>
             </a:r>
-            <a:endParaRPr lang="en-US"/>
           </a:p>
         </p:txBody>
       </p:sp>
@@ -20322,7 +20448,6 @@
               <a:rPr lang="en-US"/>
               <a:t>Content Delivery Network</a:t>
             </a:r>
-            <a:endParaRPr lang="en-US"/>
           </a:p>
         </p:txBody>
       </p:sp>
@@ -20660,7 +20785,6 @@
               <a:rPr lang="en-US"/>
               <a:t>Cross-Origin Resource Sharing</a:t>
             </a:r>
-            <a:endParaRPr lang="en-US"/>
           </a:p>
         </p:txBody>
       </p:sp>
@@ -21034,7 +21158,6 @@
               <a:rPr lang="en-US"/>
               <a:t>Module Overview</a:t>
             </a:r>
-            <a:endParaRPr lang="en-US"/>
           </a:p>
         </p:txBody>
       </p:sp>
@@ -21054,13 +21177,37 @@
           <a:lstStyle/>
           <a:p>
             <a:r>
-              <a:rPr lang="en-US"/>
-              <a:t>Storage Blobs
-Controlling Access to Storage Blobs and Containers
-Configuring Azure Storage Accounts
-Azure Files</a:t>
-            </a:r>
-            <a:endParaRPr lang="en-US"/>
+              <a:rPr lang="en-US" b="1" dirty="0"/>
+              <a:t>Storage Blobs</a:t>
+            </a:r>
+            <a:r>
+              <a:rPr lang="en-US" dirty="0"/>
+              <a:t>
+</a:t>
+            </a:r>
+            <a:r>
+              <a:rPr lang="en-US" sz="2400" dirty="0"/>
+              <a:t>Controlling Access to Storage Blobs and Containers
+Configuring Azure Storage Accounts</a:t>
+            </a:r>
+          </a:p>
+          <a:p>
+            <a:pPr marL="0" indent="0">
+              <a:buNone/>
+            </a:pPr>
+            <a:endParaRPr lang="en-US" dirty="0"/>
+          </a:p>
+          <a:p>
+            <a:pPr marL="0" indent="0">
+              <a:buNone/>
+            </a:pPr>
+            <a:endParaRPr lang="en-US" dirty="0"/>
+          </a:p>
+          <a:p>
+            <a:r>
+              <a:rPr lang="en-US" dirty="0"/>
+              <a:t>Azure Files</a:t>
+            </a:r>
           </a:p>
         </p:txBody>
       </p:sp>
@@ -21113,7 +21260,6 @@
               <a:rPr lang="en-US"/>
               <a:t>Lesson 4: Azure Files</a:t>
             </a:r>
-            <a:endParaRPr lang="en-US"/>
           </a:p>
         </p:txBody>
       </p:sp>
@@ -21133,11 +21279,10 @@
           <a:lstStyle/>
           <a:p>
             <a:r>
-              <a:rPr lang="en-US"/>
+              <a:rPr lang="en-US" dirty="0"/>
               <a:t>Azure Files Overview
 File Shares</a:t>
             </a:r>
-            <a:endParaRPr lang="en-US"/>
           </a:p>
         </p:txBody>
       </p:sp>
@@ -21190,7 +21335,6 @@
               <a:rPr lang="en-US"/>
               <a:t>Azure Files Overview</a:t>
             </a:r>
-            <a:endParaRPr lang="en-US"/>
           </a:p>
         </p:txBody>
       </p:sp>
@@ -21528,7 +21672,6 @@
               <a:rPr lang="en-US"/>
               <a:t>File Shares</a:t>
             </a:r>
-            <a:endParaRPr lang="en-US"/>
           </a:p>
         </p:txBody>
       </p:sp>
@@ -21820,7 +21963,7 @@
 </file>
 
 <file path=ppt/slides/slide23.xml><?xml version="1.0" encoding="utf-8"?>
-<p:sld xmlns:a="http://schemas.openxmlformats.org/drawingml/2006/main" xmlns:r="http://schemas.openxmlformats.org/officeDocument/2006/relationships" xmlns:p="http://schemas.openxmlformats.org/presentationml/2006/main">
+<p:sld xmlns:a="http://schemas.openxmlformats.org/drawingml/2006/main" xmlns:r="http://schemas.openxmlformats.org/officeDocument/2006/relationships" xmlns:p="http://schemas.openxmlformats.org/presentationml/2006/main" show="0">
   <p:cSld name="a78524f4-f525-4971-9089-e4c6054d3a97">
     <p:spTree>
       <p:nvGrpSpPr>
@@ -21855,7 +21998,6 @@
               <a:rPr lang="en-US"/>
               <a:t>Lab: Storing Generated Documents in Azure Storage Blobs</a:t>
             </a:r>
-            <a:endParaRPr lang="en-US"/>
           </a:p>
         </p:txBody>
       </p:sp>
@@ -21906,9 +22048,6 @@
               </a:rPr>
               <a:t>Estimated Time: 60 minutes</a:t>
             </a:r>
-            <a:endParaRPr lang="en-US" sz="2800">
-              <a:latin typeface="Segoe UI" panose="020B0502040204020203" pitchFamily="34" charset="0"/>
-            </a:endParaRPr>
           </a:p>
         </p:txBody>
       </p:sp>
@@ -21926,7 +22065,7 @@
 </file>
 
 <file path=ppt/slides/slide24.xml><?xml version="1.0" encoding="utf-8"?>
-<p:sld xmlns:a="http://schemas.openxmlformats.org/drawingml/2006/main" xmlns:r="http://schemas.openxmlformats.org/officeDocument/2006/relationships" xmlns:p="http://schemas.openxmlformats.org/presentationml/2006/main">
+<p:sld xmlns:a="http://schemas.openxmlformats.org/drawingml/2006/main" xmlns:r="http://schemas.openxmlformats.org/officeDocument/2006/relationships" xmlns:p="http://schemas.openxmlformats.org/presentationml/2006/main" show="0">
   <p:cSld name="Lab Scenario860707277">
     <p:spTree>
       <p:nvGrpSpPr>
@@ -21961,7 +22100,6 @@
               <a:rPr lang="en-US"/>
               <a:t>Lab Scenario</a:t>
             </a:r>
-            <a:endParaRPr lang="en-US"/>
           </a:p>
         </p:txBody>
       </p:sp>
@@ -22026,7 +22164,7 @@
 </file>
 
 <file path=ppt/slides/slide25.xml><?xml version="1.0" encoding="utf-8"?>
-<p:sld xmlns:a="http://schemas.openxmlformats.org/drawingml/2006/main" xmlns:r="http://schemas.openxmlformats.org/officeDocument/2006/relationships" xmlns:p="http://schemas.openxmlformats.org/presentationml/2006/main">
+<p:sld xmlns:a="http://schemas.openxmlformats.org/drawingml/2006/main" xmlns:r="http://schemas.openxmlformats.org/officeDocument/2006/relationships" xmlns:p="http://schemas.openxmlformats.org/presentationml/2006/main" show="0">
   <p:cSld name="bb1a7c50-b8a8-40a7-85db-59081cad6e65">
     <p:spTree>
       <p:nvGrpSpPr>
@@ -22061,7 +22199,6 @@
               <a:rPr lang="en-US"/>
               <a:t>Lab Review</a:t>
             </a:r>
-            <a:endParaRPr lang="en-US"/>
           </a:p>
         </p:txBody>
       </p:sp>
@@ -22084,7 +22221,6 @@
               <a:rPr lang="en-US"/>
               <a:t>Your server application needs to generate a SAS for the client to download a subset of blobs in a single container. Should you give the signature read access to the container or read access to the individual blobs?</a:t>
             </a:r>
-            <a:endParaRPr lang="en-US"/>
           </a:p>
         </p:txBody>
       </p:sp>
@@ -22102,7 +22238,7 @@
 </file>
 
 <file path=ppt/slides/slide26.xml><?xml version="1.0" encoding="utf-8"?>
-<p:sld xmlns:a="http://schemas.openxmlformats.org/drawingml/2006/main" xmlns:r="http://schemas.openxmlformats.org/officeDocument/2006/relationships" xmlns:p="http://schemas.openxmlformats.org/presentationml/2006/main">
+<p:sld xmlns:a="http://schemas.openxmlformats.org/drawingml/2006/main" xmlns:r="http://schemas.openxmlformats.org/officeDocument/2006/relationships" xmlns:p="http://schemas.openxmlformats.org/presentationml/2006/main" show="0">
   <p:cSld name="Module_Review">
     <p:spTree>
       <p:nvGrpSpPr>
@@ -22137,7 +22273,6 @@
               <a:rPr lang="en-US"/>
               <a:t>Module Review and Takeaways</a:t>
             </a:r>
-            <a:endParaRPr lang="en-US"/>
           </a:p>
         </p:txBody>
       </p:sp>
@@ -22160,7 +22295,6 @@
               <a:rPr lang="en-US"/>
               <a:t>Review Question(s)</a:t>
             </a:r>
-            <a:endParaRPr lang="en-US"/>
           </a:p>
         </p:txBody>
       </p:sp>
@@ -22213,7 +22347,6 @@
               <a:rPr lang="en-US"/>
               <a:t>Lesson 1: Storage Blobs</a:t>
             </a:r>
-            <a:endParaRPr lang="en-US"/>
           </a:p>
         </p:txBody>
       </p:sp>
@@ -22238,7 +22371,6 @@
 Blob Types
 REST API for Storage Blobs</a:t>
             </a:r>
-            <a:endParaRPr lang="en-US"/>
           </a:p>
         </p:txBody>
       </p:sp>
@@ -22291,7 +22423,6 @@
               <a:rPr lang="en-US"/>
               <a:t>Storage Blobs</a:t>
             </a:r>
-            <a:endParaRPr lang="en-US"/>
           </a:p>
         </p:txBody>
       </p:sp>
@@ -22673,7 +22804,6 @@
               <a:rPr lang="en-US"/>
               <a:t>Storage Blobs (cont.)</a:t>
             </a:r>
-            <a:endParaRPr lang="en-US"/>
           </a:p>
         </p:txBody>
       </p:sp>
@@ -22750,7 +22880,6 @@
               <a:rPr lang="en-US"/>
               <a:t>Blob Types</a:t>
             </a:r>
-            <a:endParaRPr lang="en-US"/>
           </a:p>
         </p:txBody>
       </p:sp>
@@ -23088,7 +23217,6 @@
               <a:rPr lang="en-US"/>
               <a:t>Page Blobs</a:t>
             </a:r>
-            <a:endParaRPr lang="en-US"/>
           </a:p>
         </p:txBody>
       </p:sp>
@@ -23470,7 +23598,6 @@
               <a:rPr lang="en-US"/>
               <a:t>Block Blobs</a:t>
             </a:r>
-            <a:endParaRPr lang="en-US"/>
           </a:p>
         </p:txBody>
       </p:sp>
@@ -23852,7 +23979,6 @@
               <a:rPr lang="en-US"/>
               <a:t>REST API for Storage Blobs</a:t>
             </a:r>
-            <a:endParaRPr lang="en-US"/>
           </a:p>
         </p:txBody>
       </p:sp>
@@ -23866,8 +23992,8 @@
         </p:nvSpPr>
         <p:spPr>
           <a:xfrm>
-            <a:off x="458788" y="1021215"/>
-            <a:ext cx="8119156" cy="5147356"/>
+            <a:off x="81280" y="1021215"/>
+            <a:ext cx="8854440" cy="5147356"/>
           </a:xfrm>
           <a:prstGeom prst="rect">
             <a:avLst/>
@@ -24093,7 +24219,7 @@
           <a:p>
             <a:pPr lvl="0"/>
             <a:r>
-              <a:rPr lang="en-US" b="0" kern="0">
+              <a:rPr lang="en-US" b="0" kern="0" dirty="0">
                 <a:solidFill>
                   <a:srgbClr val="000000"/>
                 </a:solidFill>
@@ -24104,18 +24230,15 @@
           <a:p>
             <a:pPr lvl="1"/>
             <a:r>
-              <a:rPr lang="en-US" b="0" kern="0">
+              <a:rPr lang="en-US" b="0" kern="0" dirty="0">
                 <a:solidFill>
                   <a:srgbClr val="000000"/>
                 </a:solidFill>
               </a:rPr>
-              <a:t>GET BLOB</a:t>
-            </a:r>
-          </a:p>
-          <a:p>
-            <a:pPr lvl="2"/>
-            <a:r>
-              <a:rPr lang="en-US" b="0" kern="0">
+              <a:t>GET BLOB </a:t>
+            </a:r>
+            <a:r>
+              <a:rPr lang="en-US" sz="1800" b="0" kern="0" dirty="0">
                 <a:solidFill>
                   <a:srgbClr val="000000"/>
                 </a:solidFill>
@@ -24124,7 +24247,7 @@
               <a:t>https://[account].blob.core.windows.net/[container]/[blob</a:t>
             </a:r>
             <a:r>
-              <a:rPr lang="en-US" b="0" kern="0">
+              <a:rPr lang="en-US" sz="1800" b="0" kern="0" dirty="0">
                 <a:solidFill>
                   <a:srgbClr val="000000"/>
                 </a:solidFill>
@@ -24135,7 +24258,7 @@
           <a:p>
             <a:pPr lvl="1"/>
             <a:r>
-              <a:rPr lang="en-US" b="0" kern="0">
+              <a:rPr lang="en-US" b="0" kern="0" dirty="0">
                 <a:solidFill>
                   <a:srgbClr val="000000"/>
                 </a:solidFill>
@@ -24144,100 +24267,117 @@
             </a:r>
           </a:p>
           <a:p>
-            <a:pPr lvl="0"/>
-            <a:r>
-              <a:rPr lang="en-US" b="0" kern="0">
-                <a:solidFill>
-                  <a:srgbClr val="000000"/>
-                </a:solidFill>
-              </a:rPr>
-              <a:t>You can access containers for operations by using the </a:t>
-            </a:r>
-            <a:r>
-              <a:rPr lang="en-US" kern="0">
-                <a:solidFill>
-                  <a:srgbClr val="000000"/>
-                </a:solidFill>
-              </a:rPr>
-              <a:t>restype</a:t>
-            </a:r>
-            <a:r>
-              <a:rPr lang="en-US" b="0" kern="0">
-                <a:solidFill>
-                  <a:srgbClr val="000000"/>
-                </a:solidFill>
-              </a:rPr>
-              <a:t> query string parameter</a:t>
-            </a:r>
-          </a:p>
-          <a:p>
-            <a:pPr lvl="1"/>
-            <a:r>
-              <a:rPr lang="en-US" b="0" kern="0">
-                <a:solidFill>
-                  <a:srgbClr val="000000"/>
-                </a:solidFill>
-                <a:hlinkClick r:id="rId4"/>
-              </a:rPr>
-              <a:t>https://[</a:t>
-            </a:r>
-            <a:r>
-              <a:rPr lang="en-US" b="0" i="1" kern="0">
-                <a:solidFill>
-                  <a:srgbClr val="000000"/>
-                </a:solidFill>
-                <a:hlinkClick r:id="rId4"/>
-              </a:rPr>
-              <a:t>account</a:t>
-            </a:r>
-            <a:r>
-              <a:rPr lang="en-US" b="0" kern="0">
-                <a:solidFill>
-                  <a:srgbClr val="000000"/>
-                </a:solidFill>
-                <a:hlinkClick r:id="rId4"/>
-              </a:rPr>
-              <a:t>].blob.core.windows.net/[</a:t>
-            </a:r>
-            <a:r>
-              <a:rPr lang="en-US" b="0" i="1" kern="0">
-                <a:solidFill>
-                  <a:srgbClr val="000000"/>
-                </a:solidFill>
-                <a:hlinkClick r:id="rId4"/>
-              </a:rPr>
-              <a:t>container</a:t>
-            </a:r>
-            <a:r>
-              <a:rPr lang="en-US" b="0" kern="0">
-                <a:solidFill>
-                  <a:srgbClr val="000000"/>
-                </a:solidFill>
-                <a:hlinkClick r:id="rId4"/>
-              </a:rPr>
-              <a:t>]?restype=container</a:t>
-            </a:r>
-            <a:endParaRPr lang="en-US" b="0" kern="0">
-              <a:solidFill>
-                <a:srgbClr val="000000"/>
-              </a:solidFill>
-            </a:endParaRPr>
-          </a:p>
-          <a:p>
-            <a:pPr lvl="0"/>
-            <a:r>
-              <a:rPr lang="en-US" b="0" kern="0">
-                <a:solidFill>
-                  <a:srgbClr val="000000"/>
-                </a:solidFill>
-              </a:rPr>
-              <a:t>You can append Shared Access Signature (SAS) tokens to the end of a URL to access protected blobs</a:t>
-            </a:r>
+            <a:pPr marL="288925" lvl="1" indent="0">
+              <a:buNone/>
+            </a:pPr>
             <a:endParaRPr lang="en-US" b="0" kern="0" dirty="0">
               <a:solidFill>
                 <a:srgbClr val="000000"/>
               </a:solidFill>
             </a:endParaRPr>
+          </a:p>
+          <a:p>
+            <a:pPr lvl="0"/>
+            <a:r>
+              <a:rPr lang="en-US" sz="2000" b="0" kern="0" dirty="0">
+                <a:solidFill>
+                  <a:srgbClr val="000000"/>
+                </a:solidFill>
+                <a:hlinkClick r:id="rId4"/>
+              </a:rPr>
+              <a:t>https://</a:t>
+            </a:r>
+            <a:r>
+              <a:rPr lang="en-US" sz="2000" b="0" kern="0" dirty="0">
+                <a:solidFill>
+                  <a:srgbClr val="00B050"/>
+                </a:solidFill>
+                <a:hlinkClick r:id="rId4"/>
+              </a:rPr>
+              <a:t>ms532storage</a:t>
+            </a:r>
+            <a:r>
+              <a:rPr lang="en-US" sz="2000" b="0" kern="0" dirty="0">
+                <a:solidFill>
+                  <a:srgbClr val="000000"/>
+                </a:solidFill>
+                <a:hlinkClick r:id="rId4"/>
+              </a:rPr>
+              <a:t>.blob.core.windows.net/test/azure-kurser.JPG</a:t>
+            </a:r>
+            <a:endParaRPr lang="en-US" sz="2000" b="0" kern="0" dirty="0">
+              <a:solidFill>
+                <a:srgbClr val="000000"/>
+              </a:solidFill>
+            </a:endParaRPr>
+          </a:p>
+          <a:p>
+            <a:pPr lvl="0"/>
+            <a:r>
+              <a:rPr lang="da-DK" sz="2000" b="0" kern="0" dirty="0">
+                <a:solidFill>
+                  <a:srgbClr val="000000"/>
+                </a:solidFill>
+                <a:hlinkClick r:id="rId5"/>
+              </a:rPr>
+              <a:t>https://ms532storage.blob.core.windows.net/test/vejen til success.png</a:t>
+            </a:r>
+            <a:endParaRPr lang="da-DK" sz="2000" b="0" kern="0" dirty="0">
+              <a:solidFill>
+                <a:srgbClr val="000000"/>
+              </a:solidFill>
+            </a:endParaRPr>
+          </a:p>
+          <a:p>
+            <a:pPr lvl="0"/>
+            <a:endParaRPr lang="en-US" b="0" kern="0" dirty="0">
+              <a:solidFill>
+                <a:srgbClr val="000000"/>
+              </a:solidFill>
+            </a:endParaRPr>
+          </a:p>
+          <a:p>
+            <a:pPr lvl="0"/>
+            <a:r>
+              <a:rPr lang="en-US" b="0" kern="0" dirty="0">
+                <a:solidFill>
+                  <a:srgbClr val="000000"/>
+                </a:solidFill>
+              </a:rPr>
+              <a:t>You can append </a:t>
+            </a:r>
+            <a:r>
+              <a:rPr lang="en-US" b="0" kern="0" dirty="0">
+                <a:solidFill>
+                  <a:srgbClr val="FF0000"/>
+                </a:solidFill>
+              </a:rPr>
+              <a:t>Shared Access Signature </a:t>
+            </a:r>
+            <a:r>
+              <a:rPr lang="en-US" b="0" kern="0" dirty="0">
+                <a:solidFill>
+                  <a:srgbClr val="000000"/>
+                </a:solidFill>
+              </a:rPr>
+              <a:t>(SAS) tokens to the end of a URL to access </a:t>
+            </a:r>
+            <a:r>
+              <a:rPr lang="en-US" b="0" kern="0" dirty="0">
+                <a:solidFill>
+                  <a:srgbClr val="FF0000"/>
+                </a:solidFill>
+              </a:rPr>
+              <a:t>protected</a:t>
+            </a:r>
+            <a:r>
+              <a:rPr lang="en-US" b="0" kern="0" dirty="0">
+                <a:solidFill>
+                  <a:srgbClr val="000000"/>
+                </a:solidFill>
+              </a:rPr>
+              <a:t> blobs</a:t>
+            </a:r>
           </a:p>
         </p:txBody>
       </p:sp>
